--- a/docs/project1.pptx
+++ b/docs/project1.pptx
@@ -11,16 +11,17 @@
     <p:sldId id="260" r:id="rId5"/>
     <p:sldId id="268" r:id="rId6"/>
     <p:sldId id="261" r:id="rId7"/>
-    <p:sldId id="267" r:id="rId8"/>
-    <p:sldId id="262" r:id="rId9"/>
-    <p:sldId id="270" r:id="rId10"/>
-    <p:sldId id="271" r:id="rId11"/>
-    <p:sldId id="269" r:id="rId12"/>
-    <p:sldId id="265" r:id="rId13"/>
-    <p:sldId id="266" r:id="rId14"/>
-    <p:sldId id="263" r:id="rId15"/>
-    <p:sldId id="258" r:id="rId16"/>
-    <p:sldId id="272" r:id="rId17"/>
+    <p:sldId id="273" r:id="rId8"/>
+    <p:sldId id="267" r:id="rId9"/>
+    <p:sldId id="262" r:id="rId10"/>
+    <p:sldId id="270" r:id="rId11"/>
+    <p:sldId id="271" r:id="rId12"/>
+    <p:sldId id="269" r:id="rId13"/>
+    <p:sldId id="265" r:id="rId14"/>
+    <p:sldId id="266" r:id="rId15"/>
+    <p:sldId id="263" r:id="rId16"/>
+    <p:sldId id="258" r:id="rId17"/>
+    <p:sldId id="272" r:id="rId18"/>
   </p:sldIdLst>
   <p:sldSz cx="9144000" cy="6858000" type="screen4x3"/>
   <p:notesSz cx="6858000" cy="9144000"/>
@@ -303,7 +304,8 @@
           <a:p>
             <a:fld id="{29001DD7-136D-4989-AAAF-B37108F4041F}" type="datetimeFigureOut">
               <a:rPr lang="en-CA" smtClean="0"/>
-              <a:t>24/02/2015</a:t>
+              <a:pPr/>
+              <a:t>01/03/2015</a:t>
             </a:fld>
             <a:endParaRPr lang="en-CA"/>
           </a:p>
@@ -345,6 +347,7 @@
           <a:p>
             <a:fld id="{A44FBBB5-5A31-4EC0-A831-A21A225B08DA}" type="slidenum">
               <a:rPr lang="en-CA" smtClean="0"/>
+              <a:pPr/>
               <a:t>‹#›</a:t>
             </a:fld>
             <a:endParaRPr lang="en-CA"/>
@@ -354,7 +357,7 @@
     </p:spTree>
     <p:extLst>
       <p:ext uri="{BB962C8B-B14F-4D97-AF65-F5344CB8AC3E}">
-        <p14:creationId xmlns:p14="http://schemas.microsoft.com/office/powerpoint/2010/main" val="2802388135"/>
+        <p14:creationId xmlns:p14="http://schemas.microsoft.com/office/powerpoint/2010/main" xmlns="" val="2802388135"/>
       </p:ext>
     </p:extLst>
   </p:cSld>
@@ -473,7 +476,8 @@
           <a:p>
             <a:fld id="{29001DD7-136D-4989-AAAF-B37108F4041F}" type="datetimeFigureOut">
               <a:rPr lang="en-CA" smtClean="0"/>
-              <a:t>24/02/2015</a:t>
+              <a:pPr/>
+              <a:t>01/03/2015</a:t>
             </a:fld>
             <a:endParaRPr lang="en-CA"/>
           </a:p>
@@ -515,6 +519,7 @@
           <a:p>
             <a:fld id="{A44FBBB5-5A31-4EC0-A831-A21A225B08DA}" type="slidenum">
               <a:rPr lang="en-CA" smtClean="0"/>
+              <a:pPr/>
               <a:t>‹#›</a:t>
             </a:fld>
             <a:endParaRPr lang="en-CA"/>
@@ -524,7 +529,7 @@
     </p:spTree>
     <p:extLst>
       <p:ext uri="{BB962C8B-B14F-4D97-AF65-F5344CB8AC3E}">
-        <p14:creationId xmlns:p14="http://schemas.microsoft.com/office/powerpoint/2010/main" val="3293555100"/>
+        <p14:creationId xmlns:p14="http://schemas.microsoft.com/office/powerpoint/2010/main" xmlns="" val="3293555100"/>
       </p:ext>
     </p:extLst>
   </p:cSld>
@@ -653,7 +658,8 @@
           <a:p>
             <a:fld id="{29001DD7-136D-4989-AAAF-B37108F4041F}" type="datetimeFigureOut">
               <a:rPr lang="en-CA" smtClean="0"/>
-              <a:t>24/02/2015</a:t>
+              <a:pPr/>
+              <a:t>01/03/2015</a:t>
             </a:fld>
             <a:endParaRPr lang="en-CA"/>
           </a:p>
@@ -695,6 +701,7 @@
           <a:p>
             <a:fld id="{A44FBBB5-5A31-4EC0-A831-A21A225B08DA}" type="slidenum">
               <a:rPr lang="en-CA" smtClean="0"/>
+              <a:pPr/>
               <a:t>‹#›</a:t>
             </a:fld>
             <a:endParaRPr lang="en-CA"/>
@@ -704,7 +711,7 @@
     </p:spTree>
     <p:extLst>
       <p:ext uri="{BB962C8B-B14F-4D97-AF65-F5344CB8AC3E}">
-        <p14:creationId xmlns:p14="http://schemas.microsoft.com/office/powerpoint/2010/main" val="1492331206"/>
+        <p14:creationId xmlns:p14="http://schemas.microsoft.com/office/powerpoint/2010/main" xmlns="" val="1492331206"/>
       </p:ext>
     </p:extLst>
   </p:cSld>
@@ -823,7 +830,8 @@
           <a:p>
             <a:fld id="{29001DD7-136D-4989-AAAF-B37108F4041F}" type="datetimeFigureOut">
               <a:rPr lang="en-CA" smtClean="0"/>
-              <a:t>24/02/2015</a:t>
+              <a:pPr/>
+              <a:t>01/03/2015</a:t>
             </a:fld>
             <a:endParaRPr lang="en-CA"/>
           </a:p>
@@ -865,6 +873,7 @@
           <a:p>
             <a:fld id="{A44FBBB5-5A31-4EC0-A831-A21A225B08DA}" type="slidenum">
               <a:rPr lang="en-CA" smtClean="0"/>
+              <a:pPr/>
               <a:t>‹#›</a:t>
             </a:fld>
             <a:endParaRPr lang="en-CA"/>
@@ -874,7 +883,7 @@
     </p:spTree>
     <p:extLst>
       <p:ext uri="{BB962C8B-B14F-4D97-AF65-F5344CB8AC3E}">
-        <p14:creationId xmlns:p14="http://schemas.microsoft.com/office/powerpoint/2010/main" val="2457717544"/>
+        <p14:creationId xmlns:p14="http://schemas.microsoft.com/office/powerpoint/2010/main" xmlns="" val="2457717544"/>
       </p:ext>
     </p:extLst>
   </p:cSld>
@@ -1069,7 +1078,8 @@
           <a:p>
             <a:fld id="{29001DD7-136D-4989-AAAF-B37108F4041F}" type="datetimeFigureOut">
               <a:rPr lang="en-CA" smtClean="0"/>
-              <a:t>24/02/2015</a:t>
+              <a:pPr/>
+              <a:t>01/03/2015</a:t>
             </a:fld>
             <a:endParaRPr lang="en-CA"/>
           </a:p>
@@ -1111,6 +1121,7 @@
           <a:p>
             <a:fld id="{A44FBBB5-5A31-4EC0-A831-A21A225B08DA}" type="slidenum">
               <a:rPr lang="en-CA" smtClean="0"/>
+              <a:pPr/>
               <a:t>‹#›</a:t>
             </a:fld>
             <a:endParaRPr lang="en-CA"/>
@@ -1120,7 +1131,7 @@
     </p:spTree>
     <p:extLst>
       <p:ext uri="{BB962C8B-B14F-4D97-AF65-F5344CB8AC3E}">
-        <p14:creationId xmlns:p14="http://schemas.microsoft.com/office/powerpoint/2010/main" val="1158387344"/>
+        <p14:creationId xmlns:p14="http://schemas.microsoft.com/office/powerpoint/2010/main" xmlns="" val="1158387344"/>
       </p:ext>
     </p:extLst>
   </p:cSld>
@@ -1357,7 +1368,8 @@
           <a:p>
             <a:fld id="{29001DD7-136D-4989-AAAF-B37108F4041F}" type="datetimeFigureOut">
               <a:rPr lang="en-CA" smtClean="0"/>
-              <a:t>24/02/2015</a:t>
+              <a:pPr/>
+              <a:t>01/03/2015</a:t>
             </a:fld>
             <a:endParaRPr lang="en-CA"/>
           </a:p>
@@ -1399,6 +1411,7 @@
           <a:p>
             <a:fld id="{A44FBBB5-5A31-4EC0-A831-A21A225B08DA}" type="slidenum">
               <a:rPr lang="en-CA" smtClean="0"/>
+              <a:pPr/>
               <a:t>‹#›</a:t>
             </a:fld>
             <a:endParaRPr lang="en-CA"/>
@@ -1408,7 +1421,7 @@
     </p:spTree>
     <p:extLst>
       <p:ext uri="{BB962C8B-B14F-4D97-AF65-F5344CB8AC3E}">
-        <p14:creationId xmlns:p14="http://schemas.microsoft.com/office/powerpoint/2010/main" val="3024619565"/>
+        <p14:creationId xmlns:p14="http://schemas.microsoft.com/office/powerpoint/2010/main" xmlns="" val="3024619565"/>
       </p:ext>
     </p:extLst>
   </p:cSld>
@@ -1779,7 +1792,8 @@
           <a:p>
             <a:fld id="{29001DD7-136D-4989-AAAF-B37108F4041F}" type="datetimeFigureOut">
               <a:rPr lang="en-CA" smtClean="0"/>
-              <a:t>24/02/2015</a:t>
+              <a:pPr/>
+              <a:t>01/03/2015</a:t>
             </a:fld>
             <a:endParaRPr lang="en-CA"/>
           </a:p>
@@ -1821,6 +1835,7 @@
           <a:p>
             <a:fld id="{A44FBBB5-5A31-4EC0-A831-A21A225B08DA}" type="slidenum">
               <a:rPr lang="en-CA" smtClean="0"/>
+              <a:pPr/>
               <a:t>‹#›</a:t>
             </a:fld>
             <a:endParaRPr lang="en-CA"/>
@@ -1830,7 +1845,7 @@
     </p:spTree>
     <p:extLst>
       <p:ext uri="{BB962C8B-B14F-4D97-AF65-F5344CB8AC3E}">
-        <p14:creationId xmlns:p14="http://schemas.microsoft.com/office/powerpoint/2010/main" val="2710885993"/>
+        <p14:creationId xmlns:p14="http://schemas.microsoft.com/office/powerpoint/2010/main" xmlns="" val="2710885993"/>
       </p:ext>
     </p:extLst>
   </p:cSld>
@@ -1897,7 +1912,8 @@
           <a:p>
             <a:fld id="{29001DD7-136D-4989-AAAF-B37108F4041F}" type="datetimeFigureOut">
               <a:rPr lang="en-CA" smtClean="0"/>
-              <a:t>24/02/2015</a:t>
+              <a:pPr/>
+              <a:t>01/03/2015</a:t>
             </a:fld>
             <a:endParaRPr lang="en-CA"/>
           </a:p>
@@ -1939,6 +1955,7 @@
           <a:p>
             <a:fld id="{A44FBBB5-5A31-4EC0-A831-A21A225B08DA}" type="slidenum">
               <a:rPr lang="en-CA" smtClean="0"/>
+              <a:pPr/>
               <a:t>‹#›</a:t>
             </a:fld>
             <a:endParaRPr lang="en-CA"/>
@@ -1948,7 +1965,7 @@
     </p:spTree>
     <p:extLst>
       <p:ext uri="{BB962C8B-B14F-4D97-AF65-F5344CB8AC3E}">
-        <p14:creationId xmlns:p14="http://schemas.microsoft.com/office/powerpoint/2010/main" val="2127204492"/>
+        <p14:creationId xmlns:p14="http://schemas.microsoft.com/office/powerpoint/2010/main" xmlns="" val="2127204492"/>
       </p:ext>
     </p:extLst>
   </p:cSld>
@@ -1992,7 +2009,8 @@
           <a:p>
             <a:fld id="{29001DD7-136D-4989-AAAF-B37108F4041F}" type="datetimeFigureOut">
               <a:rPr lang="en-CA" smtClean="0"/>
-              <a:t>24/02/2015</a:t>
+              <a:pPr/>
+              <a:t>01/03/2015</a:t>
             </a:fld>
             <a:endParaRPr lang="en-CA"/>
           </a:p>
@@ -2034,6 +2052,7 @@
           <a:p>
             <a:fld id="{A44FBBB5-5A31-4EC0-A831-A21A225B08DA}" type="slidenum">
               <a:rPr lang="en-CA" smtClean="0"/>
+              <a:pPr/>
               <a:t>‹#›</a:t>
             </a:fld>
             <a:endParaRPr lang="en-CA"/>
@@ -2043,7 +2062,7 @@
     </p:spTree>
     <p:extLst>
       <p:ext uri="{BB962C8B-B14F-4D97-AF65-F5344CB8AC3E}">
-        <p14:creationId xmlns:p14="http://schemas.microsoft.com/office/powerpoint/2010/main" val="3277580830"/>
+        <p14:creationId xmlns:p14="http://schemas.microsoft.com/office/powerpoint/2010/main" xmlns="" val="3277580830"/>
       </p:ext>
     </p:extLst>
   </p:cSld>
@@ -2269,7 +2288,8 @@
           <a:p>
             <a:fld id="{29001DD7-136D-4989-AAAF-B37108F4041F}" type="datetimeFigureOut">
               <a:rPr lang="en-CA" smtClean="0"/>
-              <a:t>24/02/2015</a:t>
+              <a:pPr/>
+              <a:t>01/03/2015</a:t>
             </a:fld>
             <a:endParaRPr lang="en-CA"/>
           </a:p>
@@ -2311,6 +2331,7 @@
           <a:p>
             <a:fld id="{A44FBBB5-5A31-4EC0-A831-A21A225B08DA}" type="slidenum">
               <a:rPr lang="en-CA" smtClean="0"/>
+              <a:pPr/>
               <a:t>‹#›</a:t>
             </a:fld>
             <a:endParaRPr lang="en-CA"/>
@@ -2320,7 +2341,7 @@
     </p:spTree>
     <p:extLst>
       <p:ext uri="{BB962C8B-B14F-4D97-AF65-F5344CB8AC3E}">
-        <p14:creationId xmlns:p14="http://schemas.microsoft.com/office/powerpoint/2010/main" val="504861483"/>
+        <p14:creationId xmlns:p14="http://schemas.microsoft.com/office/powerpoint/2010/main" xmlns="" val="504861483"/>
       </p:ext>
     </p:extLst>
   </p:cSld>
@@ -2522,7 +2543,8 @@
           <a:p>
             <a:fld id="{29001DD7-136D-4989-AAAF-B37108F4041F}" type="datetimeFigureOut">
               <a:rPr lang="en-CA" smtClean="0"/>
-              <a:t>24/02/2015</a:t>
+              <a:pPr/>
+              <a:t>01/03/2015</a:t>
             </a:fld>
             <a:endParaRPr lang="en-CA"/>
           </a:p>
@@ -2564,6 +2586,7 @@
           <a:p>
             <a:fld id="{A44FBBB5-5A31-4EC0-A831-A21A225B08DA}" type="slidenum">
               <a:rPr lang="en-CA" smtClean="0"/>
+              <a:pPr/>
               <a:t>‹#›</a:t>
             </a:fld>
             <a:endParaRPr lang="en-CA"/>
@@ -2573,7 +2596,7 @@
     </p:spTree>
     <p:extLst>
       <p:ext uri="{BB962C8B-B14F-4D97-AF65-F5344CB8AC3E}">
-        <p14:creationId xmlns:p14="http://schemas.microsoft.com/office/powerpoint/2010/main" val="1478825963"/>
+        <p14:creationId xmlns:p14="http://schemas.microsoft.com/office/powerpoint/2010/main" xmlns="" val="1478825963"/>
       </p:ext>
     </p:extLst>
   </p:cSld>
@@ -2589,7 +2612,7 @@
     <p:bg>
       <p:bgPr>
         <a:blipFill dpi="0" rotWithShape="1">
-          <a:blip r:embed="rId13">
+          <a:blip r:embed="rId13" cstate="print">
             <a:alphaModFix amt="46000"/>
             <a:lum/>
           </a:blip>
@@ -2745,7 +2768,8 @@
           <a:p>
             <a:fld id="{29001DD7-136D-4989-AAAF-B37108F4041F}" type="datetimeFigureOut">
               <a:rPr lang="en-CA" smtClean="0"/>
-              <a:t>24/02/2015</a:t>
+              <a:pPr/>
+              <a:t>01/03/2015</a:t>
             </a:fld>
             <a:endParaRPr lang="en-CA"/>
           </a:p>
@@ -2823,6 +2847,7 @@
           <a:p>
             <a:fld id="{A44FBBB5-5A31-4EC0-A831-A21A225B08DA}" type="slidenum">
               <a:rPr lang="en-CA" smtClean="0"/>
+              <a:pPr/>
               <a:t>‹#›</a:t>
             </a:fld>
             <a:endParaRPr lang="en-CA"/>
@@ -2832,7 +2857,7 @@
     </p:spTree>
     <p:extLst>
       <p:ext uri="{BB962C8B-B14F-4D97-AF65-F5344CB8AC3E}">
-        <p14:creationId xmlns:p14="http://schemas.microsoft.com/office/powerpoint/2010/main" val="1654364586"/>
+        <p14:creationId xmlns:p14="http://schemas.microsoft.com/office/powerpoint/2010/main" xmlns="" val="1654364586"/>
       </p:ext>
     </p:extLst>
   </p:cSld>
@@ -3187,13 +3212,20 @@
     </p:spTree>
     <p:extLst>
       <p:ext uri="{BB962C8B-B14F-4D97-AF65-F5344CB8AC3E}">
-        <p14:creationId xmlns:p14="http://schemas.microsoft.com/office/powerpoint/2010/main" val="416196672"/>
+        <p14:creationId xmlns:p14="http://schemas.microsoft.com/office/powerpoint/2010/main" xmlns="" val="416196672"/>
       </p:ext>
     </p:extLst>
   </p:cSld>
   <p:clrMapOvr>
     <a:masterClrMapping/>
   </p:clrMapOvr>
+  <p:timing>
+    <p:tnLst>
+      <p:par>
+        <p:cTn id="1" dur="indefinite" restart="never" nodeType="tmRoot"/>
+      </p:par>
+    </p:tnLst>
+  </p:timing>
 </p:sld>
 </file>
 
@@ -3249,12 +3281,14 @@
         </p:nvSpPr>
         <p:spPr>
           <a:xfrm>
-            <a:off x="457200" y="1600201"/>
-            <a:ext cx="8219256" cy="748680"/>
+            <a:off x="457199" y="1600201"/>
+            <a:ext cx="8425127" cy="676671"/>
           </a:xfrm>
         </p:spPr>
         <p:txBody>
-          <a:bodyPr/>
+          <a:bodyPr>
+            <a:normAutofit/>
+          </a:bodyPr>
           <a:lstStyle/>
           <a:p>
             <a:pPr marL="0" indent="0">
@@ -3262,15 +3296,23 @@
             </a:pPr>
             <a:r>
               <a:rPr lang="en-CA" dirty="0" smtClean="0"/>
-              <a:t>Keyword “Soldier" </a:t>
+              <a:t>Keyword “</a:t>
+            </a:r>
+            <a:r>
+              <a:rPr lang="en-CA" dirty="0" err="1" smtClean="0"/>
+              <a:t>Mundo</a:t>
+            </a:r>
+            <a:r>
+              <a:rPr lang="en-CA" dirty="0" smtClean="0"/>
+              <a:t>" </a:t>
             </a:r>
             <a:r>
               <a:rPr lang="en-CA" dirty="0"/>
-              <a:t>in the </a:t>
-            </a:r>
-            <a:r>
-              <a:rPr lang="en-CA" dirty="0" smtClean="0"/>
-              <a:t>Team Fortress 2 data</a:t>
+              <a:t>in the League of Legends </a:t>
+            </a:r>
+            <a:r>
+              <a:rPr lang="en-CA" dirty="0" smtClean="0"/>
+              <a:t>data</a:t>
             </a:r>
             <a:endParaRPr lang="en-CA" dirty="0"/>
           </a:p>
@@ -3278,17 +3320,17 @@
       </p:sp>
       <p:pic>
         <p:nvPicPr>
-          <p:cNvPr id="3074" name="Picture 2" descr="TF2-soldier.png"/>
+          <p:cNvPr id="2050" name="Picture 2" descr="LOL-mundo.png"/>
           <p:cNvPicPr>
             <a:picLocks noChangeAspect="1" noChangeArrowheads="1"/>
           </p:cNvPicPr>
           <p:nvPr/>
         </p:nvPicPr>
         <p:blipFill>
-          <a:blip r:embed="rId2">
+          <a:blip r:embed="rId2" cstate="print">
             <a:extLst>
               <a:ext uri="{28A0092B-C50C-407E-A947-70E740481C1C}">
-                <a14:useLocalDpi xmlns:a14="http://schemas.microsoft.com/office/drawing/2010/main" val="0"/>
+                <a14:useLocalDpi xmlns:a14="http://schemas.microsoft.com/office/drawing/2010/main" xmlns="" val="0"/>
               </a:ext>
             </a:extLst>
           </a:blip>
@@ -3299,8 +3341,8 @@
         </p:blipFill>
         <p:spPr bwMode="auto">
           <a:xfrm>
-            <a:off x="117997" y="2276872"/>
-            <a:ext cx="8846491" cy="2732834"/>
+            <a:off x="300758" y="2204864"/>
+            <a:ext cx="8581569" cy="2880320"/>
           </a:xfrm>
           <a:prstGeom prst="rect">
             <a:avLst/>
@@ -3308,7 +3350,7 @@
           <a:noFill/>
           <a:extLst>
             <a:ext uri="{909E8E84-426E-40DD-AFC4-6F175D3DCCD1}">
-              <a14:hiddenFill xmlns:a14="http://schemas.microsoft.com/office/drawing/2010/main">
+              <a14:hiddenFill xmlns:a14="http://schemas.microsoft.com/office/drawing/2010/main" xmlns="">
                 <a:solidFill>
                   <a:srgbClr val="FFFFFF"/>
                 </a:solidFill>
@@ -3320,13 +3362,20 @@
     </p:spTree>
     <p:extLst>
       <p:ext uri="{BB962C8B-B14F-4D97-AF65-F5344CB8AC3E}">
-        <p14:creationId xmlns:p14="http://schemas.microsoft.com/office/powerpoint/2010/main" val="1063654415"/>
+        <p14:creationId xmlns:p14="http://schemas.microsoft.com/office/powerpoint/2010/main" xmlns="" val="3058743766"/>
       </p:ext>
     </p:extLst>
   </p:cSld>
   <p:clrMapOvr>
     <a:masterClrMapping/>
   </p:clrMapOvr>
+  <p:timing>
+    <p:tnLst>
+      <p:par>
+        <p:cTn id="1" dur="indefinite" restart="never" nodeType="tmRoot"/>
+      </p:par>
+    </p:tnLst>
+  </p:timing>
 </p:sld>
 </file>
 
@@ -3364,7 +3413,7 @@
           <a:p>
             <a:r>
               <a:rPr lang="en-CA" dirty="0" smtClean="0"/>
-              <a:t>Conclusion</a:t>
+              <a:t>Results</a:t>
             </a:r>
             <a:endParaRPr lang="en-CA" dirty="0"/>
           </a:p>
@@ -3380,70 +3429,93 @@
             <p:ph idx="1"/>
           </p:nvPr>
         </p:nvSpPr>
-        <p:spPr/>
-        <p:txBody>
-          <a:bodyPr/>
-          <a:lstStyle/>
-          <a:p>
-            <a:r>
-              <a:rPr lang="en-CA" dirty="0" smtClean="0"/>
-              <a:t>Spikes in forum activity are </a:t>
-            </a:r>
-            <a:r>
-              <a:rPr lang="en-CA" i="1" dirty="0" smtClean="0"/>
-              <a:t>usually</a:t>
-            </a:r>
-            <a:r>
-              <a:rPr lang="en-CA" dirty="0" smtClean="0"/>
-              <a:t> followed by a patch</a:t>
-            </a:r>
-          </a:p>
-          <a:p>
-            <a:r>
-              <a:rPr lang="en-CA" dirty="0" smtClean="0"/>
-              <a:t>Patch releases drive forum activity</a:t>
-            </a:r>
-          </a:p>
-          <a:p>
-            <a:pPr lvl="1"/>
-            <a:r>
-              <a:rPr lang="en-CA" dirty="0" smtClean="0"/>
-              <a:t>new bugs and new discussion points</a:t>
-            </a:r>
-          </a:p>
-          <a:p>
-            <a:r>
-              <a:rPr lang="en-CA" dirty="0" smtClean="0"/>
-              <a:t>Developer procedures affect forum activity</a:t>
+        <p:spPr>
+          <a:xfrm>
+            <a:off x="457200" y="1600201"/>
+            <a:ext cx="8219256" cy="748680"/>
+          </a:xfrm>
+        </p:spPr>
+        <p:txBody>
+          <a:bodyPr/>
+          <a:lstStyle/>
+          <a:p>
+            <a:pPr marL="0" indent="0">
+              <a:buNone/>
+            </a:pPr>
+            <a:r>
+              <a:rPr lang="en-CA" dirty="0" smtClean="0"/>
+              <a:t>Keyword “Soldier" </a:t>
+            </a:r>
+            <a:r>
+              <a:rPr lang="en-CA" dirty="0"/>
+              <a:t>in the </a:t>
+            </a:r>
+            <a:r>
+              <a:rPr lang="en-CA" dirty="0" smtClean="0"/>
+              <a:t>Team Fortress 2 data</a:t>
             </a:r>
             <a:endParaRPr lang="en-CA" dirty="0"/>
           </a:p>
-          <a:p>
-            <a:pPr lvl="1"/>
-            <a:r>
-              <a:rPr lang="en-CA" dirty="0" smtClean="0"/>
-              <a:t>Do they have in-game bug reporting?</a:t>
-            </a:r>
-          </a:p>
-          <a:p>
-            <a:pPr lvl="1"/>
-            <a:r>
-              <a:rPr lang="en-CA" dirty="0" smtClean="0"/>
-              <a:t>Are they active in the forums?</a:t>
-            </a:r>
-          </a:p>
-        </p:txBody>
-      </p:sp>
+        </p:txBody>
+      </p:sp>
+      <p:pic>
+        <p:nvPicPr>
+          <p:cNvPr id="3074" name="Picture 2" descr="TF2-soldier.png"/>
+          <p:cNvPicPr>
+            <a:picLocks noChangeAspect="1" noChangeArrowheads="1"/>
+          </p:cNvPicPr>
+          <p:nvPr/>
+        </p:nvPicPr>
+        <p:blipFill>
+          <a:blip r:embed="rId2" cstate="print">
+            <a:extLst>
+              <a:ext uri="{28A0092B-C50C-407E-A947-70E740481C1C}">
+                <a14:useLocalDpi xmlns:a14="http://schemas.microsoft.com/office/drawing/2010/main" xmlns="" val="0"/>
+              </a:ext>
+            </a:extLst>
+          </a:blip>
+          <a:srcRect/>
+          <a:stretch>
+            <a:fillRect/>
+          </a:stretch>
+        </p:blipFill>
+        <p:spPr bwMode="auto">
+          <a:xfrm>
+            <a:off x="117997" y="2276872"/>
+            <a:ext cx="8846491" cy="2732834"/>
+          </a:xfrm>
+          <a:prstGeom prst="rect">
+            <a:avLst/>
+          </a:prstGeom>
+          <a:noFill/>
+          <a:extLst>
+            <a:ext uri="{909E8E84-426E-40DD-AFC4-6F175D3DCCD1}">
+              <a14:hiddenFill xmlns:a14="http://schemas.microsoft.com/office/drawing/2010/main" xmlns="">
+                <a:solidFill>
+                  <a:srgbClr val="FFFFFF"/>
+                </a:solidFill>
+              </a14:hiddenFill>
+            </a:ext>
+          </a:extLst>
+        </p:spPr>
+      </p:pic>
     </p:spTree>
     <p:extLst>
       <p:ext uri="{BB962C8B-B14F-4D97-AF65-F5344CB8AC3E}">
-        <p14:creationId xmlns:p14="http://schemas.microsoft.com/office/powerpoint/2010/main" val="1920603533"/>
+        <p14:creationId xmlns:p14="http://schemas.microsoft.com/office/powerpoint/2010/main" xmlns="" val="1063654415"/>
       </p:ext>
     </p:extLst>
   </p:cSld>
   <p:clrMapOvr>
     <a:masterClrMapping/>
   </p:clrMapOvr>
+  <p:timing>
+    <p:tnLst>
+      <p:par>
+        <p:cTn id="1" dur="indefinite" restart="never" nodeType="tmRoot"/>
+      </p:par>
+    </p:tnLst>
+  </p:timing>
 </p:sld>
 </file>
 
@@ -3502,73 +3574,59 @@
           <a:bodyPr/>
           <a:lstStyle/>
           <a:p>
-            <a:pPr marL="0" indent="0">
-              <a:buNone/>
-            </a:pPr>
-            <a:r>
-              <a:rPr lang="en-CA" dirty="0" smtClean="0"/>
-              <a:t>Threats to Validity:</a:t>
-            </a:r>
-          </a:p>
-          <a:p>
-            <a:r>
-              <a:rPr lang="en-CA" dirty="0" smtClean="0"/>
-              <a:t>WOW and TF2 </a:t>
-            </a:r>
-            <a:r>
-              <a:rPr lang="en-CA" dirty="0" err="1" smtClean="0"/>
-              <a:t>subreddits</a:t>
-            </a:r>
-            <a:r>
-              <a:rPr lang="en-CA" dirty="0" smtClean="0"/>
-              <a:t> relatively inactive</a:t>
-            </a:r>
-          </a:p>
-          <a:p>
-            <a:r>
-              <a:rPr lang="en-CA" dirty="0" smtClean="0"/>
-              <a:t>Keyword searches do not reflect context</a:t>
-            </a:r>
-          </a:p>
-          <a:p>
-            <a:r>
-              <a:rPr lang="en-CA" dirty="0" err="1" smtClean="0"/>
-              <a:t>Reddit</a:t>
-            </a:r>
-            <a:r>
-              <a:rPr lang="en-CA" dirty="0" smtClean="0"/>
-              <a:t> may be a “mirror” of other forums. Even if a correlation is shown between </a:t>
-            </a:r>
-            <a:r>
-              <a:rPr lang="en-CA" dirty="0" err="1" smtClean="0"/>
-              <a:t>Reddit</a:t>
-            </a:r>
-            <a:r>
-              <a:rPr lang="en-CA" dirty="0" smtClean="0"/>
-              <a:t> and Patch Notes. Developers could still be getting their user feedback from elsewhere.</a:t>
-            </a:r>
-          </a:p>
-          <a:p>
-            <a:pPr marL="0" indent="0">
-              <a:buNone/>
-            </a:pPr>
-            <a:endParaRPr lang="en-CA" dirty="0" smtClean="0"/>
-          </a:p>
-          <a:p>
-            <a:endParaRPr lang="en-CA" dirty="0" smtClean="0"/>
-          </a:p>
-          <a:p>
-            <a:endParaRPr lang="en-CA" dirty="0" smtClean="0"/>
-          </a:p>
-          <a:p>
+            <a:r>
+              <a:rPr lang="en-CA" dirty="0" smtClean="0"/>
+              <a:t>Spikes in forum activity are </a:t>
+            </a:r>
+            <a:r>
+              <a:rPr lang="en-CA" i="1" dirty="0" smtClean="0"/>
+              <a:t>usually</a:t>
+            </a:r>
+            <a:r>
+              <a:rPr lang="en-CA" dirty="0" smtClean="0"/>
+              <a:t> followed by a patch</a:t>
+            </a:r>
+          </a:p>
+          <a:p>
+            <a:r>
+              <a:rPr lang="en-CA" dirty="0" smtClean="0"/>
+              <a:t>Patch releases drive forum activity</a:t>
+            </a:r>
+          </a:p>
+          <a:p>
+            <a:pPr lvl="1"/>
+            <a:r>
+              <a:rPr lang="en-CA" dirty="0" smtClean="0"/>
+              <a:t>new bugs and new discussion points</a:t>
+            </a:r>
+          </a:p>
+          <a:p>
+            <a:r>
+              <a:rPr lang="en-CA" dirty="0" smtClean="0"/>
+              <a:t>Developer procedures affect forum activity</a:t>
+            </a:r>
             <a:endParaRPr lang="en-CA" dirty="0"/>
+          </a:p>
+          <a:p>
+            <a:pPr lvl="1"/>
+            <a:r>
+              <a:rPr lang="en-CA" dirty="0" smtClean="0"/>
+              <a:t>Do they have in-game bug reporting?</a:t>
+            </a:r>
+          </a:p>
+          <a:p>
+            <a:pPr lvl="1"/>
+            <a:r>
+              <a:rPr lang="en-CA" dirty="0" smtClean="0"/>
+              <a:t>Are they active in the forums?</a:t>
+            </a:r>
           </a:p>
         </p:txBody>
       </p:sp>
     </p:spTree>
     <p:extLst>
       <p:ext uri="{BB962C8B-B14F-4D97-AF65-F5344CB8AC3E}">
-        <p14:creationId xmlns:p14="http://schemas.microsoft.com/office/powerpoint/2010/main" val="979576142"/>
+        <p14:creationId xmlns:p14="http://schemas.microsoft.com/office/powerpoint/2010/main" xmlns="" val="1920603533"/>
       </p:ext>
     </p:extLst>
   </p:cSld>
@@ -3628,16 +3686,9 @@
             <p:ph idx="1"/>
           </p:nvPr>
         </p:nvSpPr>
-        <p:spPr>
-          <a:xfrm>
-            <a:off x="457200" y="1600200"/>
-            <a:ext cx="8229600" cy="4781128"/>
-          </a:xfrm>
-        </p:spPr>
-        <p:txBody>
-          <a:bodyPr>
-            <a:normAutofit/>
-          </a:bodyPr>
+        <p:spPr/>
+        <p:txBody>
+          <a:bodyPr/>
           <a:lstStyle/>
           <a:p>
             <a:pPr marL="0" indent="0">
@@ -3645,55 +3696,52 @@
             </a:pPr>
             <a:r>
               <a:rPr lang="en-CA" dirty="0" smtClean="0"/>
-              <a:t>Future Work:</a:t>
-            </a:r>
-          </a:p>
-          <a:p>
-            <a:r>
-              <a:rPr lang="en-CA" dirty="0" smtClean="0"/>
-              <a:t>Turn Java code into an actual library</a:t>
-            </a:r>
-          </a:p>
-          <a:p>
-            <a:r>
-              <a:rPr lang="en-CA" dirty="0" smtClean="0"/>
-              <a:t>Automated graph creation</a:t>
-            </a:r>
-          </a:p>
-          <a:p>
-            <a:r>
-              <a:rPr lang="en-CA" dirty="0" smtClean="0"/>
-              <a:t>Look at other user forums</a:t>
-            </a:r>
-          </a:p>
-          <a:p>
-            <a:r>
-              <a:rPr lang="en-CA" dirty="0" smtClean="0"/>
-              <a:t>Obtain developer’s issue tracking data</a:t>
-            </a:r>
-          </a:p>
-          <a:p>
-            <a:r>
-              <a:rPr lang="en-CA" dirty="0"/>
-              <a:t>DTW (Dynamic Time Warping</a:t>
-            </a:r>
-            <a:r>
-              <a:rPr lang="en-CA" dirty="0" smtClean="0"/>
-              <a:t>) analysis</a:t>
-            </a:r>
-          </a:p>
-          <a:p>
-            <a:pPr lvl="1"/>
-            <a:r>
-              <a:rPr lang="en-CA" dirty="0" smtClean="0"/>
-              <a:t>“average offset” =&gt; developer response time</a:t>
-            </a:r>
-          </a:p>
-          <a:p>
-            <a:r>
-              <a:rPr lang="en-CA" dirty="0" smtClean="0"/>
-              <a:t>Expand methodology to non-gaming projects</a:t>
-            </a:r>
+              <a:t>Threats to Validity:</a:t>
+            </a:r>
+          </a:p>
+          <a:p>
+            <a:r>
+              <a:rPr lang="en-CA" dirty="0" smtClean="0"/>
+              <a:t>WOW and TF2 </a:t>
+            </a:r>
+            <a:r>
+              <a:rPr lang="en-CA" dirty="0" err="1" smtClean="0"/>
+              <a:t>subreddits</a:t>
+            </a:r>
+            <a:r>
+              <a:rPr lang="en-CA" dirty="0" smtClean="0"/>
+              <a:t> relatively inactive</a:t>
+            </a:r>
+          </a:p>
+          <a:p>
+            <a:r>
+              <a:rPr lang="en-CA" dirty="0" smtClean="0"/>
+              <a:t>Keyword searches do not reflect context</a:t>
+            </a:r>
+          </a:p>
+          <a:p>
+            <a:r>
+              <a:rPr lang="en-CA" dirty="0" err="1" smtClean="0"/>
+              <a:t>Reddit</a:t>
+            </a:r>
+            <a:r>
+              <a:rPr lang="en-CA" dirty="0" smtClean="0"/>
+              <a:t> may be a “mirror” of other forums. Even if a correlation is shown between </a:t>
+            </a:r>
+            <a:r>
+              <a:rPr lang="en-CA" dirty="0" err="1" smtClean="0"/>
+              <a:t>Reddit</a:t>
+            </a:r>
+            <a:r>
+              <a:rPr lang="en-CA" dirty="0" smtClean="0"/>
+              <a:t> and Patch Notes. Developers could still be getting their user feedback from elsewhere.</a:t>
+            </a:r>
+          </a:p>
+          <a:p>
+            <a:pPr marL="0" indent="0">
+              <a:buNone/>
+            </a:pPr>
+            <a:endParaRPr lang="en-CA" dirty="0" smtClean="0"/>
           </a:p>
           <a:p>
             <a:endParaRPr lang="en-CA" dirty="0" smtClean="0"/>
@@ -3709,7 +3757,7 @@
     </p:spTree>
     <p:extLst>
       <p:ext uri="{BB962C8B-B14F-4D97-AF65-F5344CB8AC3E}">
-        <p14:creationId xmlns:p14="http://schemas.microsoft.com/office/powerpoint/2010/main" val="1375243904"/>
+        <p14:creationId xmlns:p14="http://schemas.microsoft.com/office/powerpoint/2010/main" xmlns="" val="979576142"/>
       </p:ext>
     </p:extLst>
   </p:cSld>
@@ -3769,9 +3817,16 @@
             <p:ph idx="1"/>
           </p:nvPr>
         </p:nvSpPr>
-        <p:spPr/>
-        <p:txBody>
-          <a:bodyPr/>
+        <p:spPr>
+          <a:xfrm>
+            <a:off x="457200" y="1600200"/>
+            <a:ext cx="8229600" cy="4781128"/>
+          </a:xfrm>
+        </p:spPr>
+        <p:txBody>
+          <a:bodyPr>
+            <a:normAutofit/>
+          </a:bodyPr>
           <a:lstStyle/>
           <a:p>
             <a:pPr marL="0" indent="0">
@@ -3779,33 +3834,61 @@
             </a:pPr>
             <a:r>
               <a:rPr lang="en-CA" dirty="0" smtClean="0"/>
-              <a:t>Lessons Learned:</a:t>
-            </a:r>
-          </a:p>
-          <a:p>
-            <a:r>
-              <a:rPr lang="en-CA" dirty="0" smtClean="0"/>
-              <a:t>Parsing websites is slow</a:t>
-            </a:r>
-          </a:p>
-          <a:p>
-            <a:r>
-              <a:rPr lang="en-CA" dirty="0" smtClean="0"/>
-              <a:t>APIs are awesome</a:t>
-            </a:r>
-          </a:p>
-          <a:p>
-            <a:r>
-              <a:rPr lang="en-CA" dirty="0" smtClean="0"/>
-              <a:t>Graphs are difficult</a:t>
-            </a:r>
+              <a:t>Future Work:</a:t>
+            </a:r>
+          </a:p>
+          <a:p>
+            <a:r>
+              <a:rPr lang="en-CA" dirty="0" smtClean="0"/>
+              <a:t>Turn Java code into an actual library</a:t>
+            </a:r>
+          </a:p>
+          <a:p>
+            <a:r>
+              <a:rPr lang="en-CA" dirty="0" smtClean="0"/>
+              <a:t>Automated graph creation</a:t>
+            </a:r>
+          </a:p>
+          <a:p>
+            <a:r>
+              <a:rPr lang="en-CA" dirty="0" smtClean="0"/>
+              <a:t>Look at other user forums</a:t>
+            </a:r>
+          </a:p>
+          <a:p>
+            <a:r>
+              <a:rPr lang="en-CA" dirty="0" smtClean="0"/>
+              <a:t>Obtain developer’s issue tracking data</a:t>
+            </a:r>
+          </a:p>
+          <a:p>
+            <a:r>
+              <a:rPr lang="en-CA" dirty="0"/>
+              <a:t>DTW (Dynamic Time Warping</a:t>
+            </a:r>
+            <a:r>
+              <a:rPr lang="en-CA" dirty="0" smtClean="0"/>
+              <a:t>) analysis</a:t>
+            </a:r>
+          </a:p>
+          <a:p>
+            <a:pPr lvl="1"/>
+            <a:r>
+              <a:rPr lang="en-CA" dirty="0" smtClean="0"/>
+              <a:t>“average offset” =&gt; developer response time</a:t>
+            </a:r>
+          </a:p>
+          <a:p>
+            <a:r>
+              <a:rPr lang="en-CA" dirty="0" smtClean="0"/>
+              <a:t>Expand methodology to non-gaming projects</a:t>
+            </a:r>
+          </a:p>
+          <a:p>
             <a:endParaRPr lang="en-CA" dirty="0" smtClean="0"/>
           </a:p>
           <a:p>
-            <a:r>
-              <a:rPr lang="en-CA" dirty="0" smtClean="0"/>
-              <a:t>Game communities are awesome</a:t>
-            </a:r>
+            <a:endParaRPr lang="en-CA" dirty="0" smtClean="0"/>
           </a:p>
           <a:p>
             <a:endParaRPr lang="en-CA" dirty="0"/>
@@ -3815,13 +3898,20 @@
     </p:spTree>
     <p:extLst>
       <p:ext uri="{BB962C8B-B14F-4D97-AF65-F5344CB8AC3E}">
-        <p14:creationId xmlns:p14="http://schemas.microsoft.com/office/powerpoint/2010/main" val="696894115"/>
+        <p14:creationId xmlns:p14="http://schemas.microsoft.com/office/powerpoint/2010/main" xmlns="" val="1375243904"/>
       </p:ext>
     </p:extLst>
   </p:cSld>
   <p:clrMapOvr>
     <a:masterClrMapping/>
   </p:clrMapOvr>
+  <p:timing>
+    <p:tnLst>
+      <p:par>
+        <p:cTn id="1" dur="indefinite" restart="never" nodeType="tmRoot"/>
+      </p:par>
+    </p:tnLst>
+  </p:timing>
 </p:sld>
 </file>
 
@@ -3859,7 +3949,7 @@
           <a:p>
             <a:r>
               <a:rPr lang="en-CA" dirty="0" smtClean="0"/>
-              <a:t>References</a:t>
+              <a:t>Conclusion</a:t>
             </a:r>
             <a:endParaRPr lang="en-CA" dirty="0"/>
           </a:p>
@@ -3877,193 +3967,311 @@
         </p:nvSpPr>
         <p:spPr/>
         <p:txBody>
-          <a:bodyPr>
-            <a:normAutofit fontScale="92500" lnSpcReduction="10000"/>
-          </a:bodyPr>
-          <a:lstStyle/>
-          <a:p>
-            <a:r>
-              <a:rPr lang="en-CA" sz="2000" dirty="0" smtClean="0"/>
-              <a:t>Microsoft SQL Server Express: </a:t>
-            </a:r>
-            <a:r>
-              <a:rPr lang="en-CA" sz="2000" dirty="0" smtClean="0">
-                <a:hlinkClick r:id="rId2"/>
-              </a:rPr>
-              <a:t>http://www.microsoft.com/en-ca/server-cloud/products/sql-server-editions/sql-server-express.aspx</a:t>
-            </a:r>
-            <a:endParaRPr lang="en-CA" sz="2000" dirty="0" smtClean="0"/>
-          </a:p>
-          <a:p>
-            <a:r>
-              <a:rPr lang="en-CA" sz="2000" dirty="0" smtClean="0"/>
-              <a:t>Java Apache </a:t>
-            </a:r>
-            <a:r>
-              <a:rPr lang="en-CA" sz="2000" dirty="0" err="1" smtClean="0"/>
-              <a:t>HTTPComponents</a:t>
-            </a:r>
-            <a:r>
-              <a:rPr lang="en-CA" sz="2000" dirty="0" smtClean="0"/>
-              <a:t>: </a:t>
-            </a:r>
-            <a:r>
-              <a:rPr lang="en-CA" sz="2000" dirty="0" smtClean="0">
-                <a:hlinkClick r:id="rId3"/>
-              </a:rPr>
-              <a:t>http://hc.apache.org/</a:t>
-            </a:r>
-            <a:r>
-              <a:rPr lang="en-CA" sz="2000" dirty="0" smtClean="0"/>
-              <a:t> </a:t>
-            </a:r>
-          </a:p>
-          <a:p>
-            <a:r>
-              <a:rPr lang="en-CA" sz="2000" dirty="0" smtClean="0"/>
-              <a:t>Java HTML parsing with </a:t>
-            </a:r>
-            <a:r>
-              <a:rPr lang="en-CA" sz="2000" dirty="0" err="1" smtClean="0"/>
-              <a:t>jsoup</a:t>
-            </a:r>
-            <a:r>
-              <a:rPr lang="en-CA" sz="2000" dirty="0" smtClean="0"/>
-              <a:t>: </a:t>
-            </a:r>
-            <a:r>
-              <a:rPr lang="en-CA" sz="2000" dirty="0" smtClean="0">
-                <a:hlinkClick r:id="rId4"/>
-              </a:rPr>
-              <a:t>http://jsoup.org/</a:t>
-            </a:r>
-            <a:r>
-              <a:rPr lang="en-CA" sz="2000" dirty="0" smtClean="0"/>
-              <a:t> </a:t>
-            </a:r>
-          </a:p>
-          <a:p>
-            <a:r>
-              <a:rPr lang="en-CA" sz="2000" dirty="0" smtClean="0"/>
-              <a:t>Java Microsoft JDBC Driver: </a:t>
-            </a:r>
-            <a:r>
-              <a:rPr lang="en-CA" sz="2000" dirty="0" smtClean="0">
-                <a:hlinkClick r:id="rId5"/>
-              </a:rPr>
-              <a:t>http://www.microsoft.com/en-ca/download/details.aspx?id=2505</a:t>
-            </a:r>
-            <a:endParaRPr lang="en-CA" sz="2000" dirty="0"/>
-          </a:p>
-          <a:p>
-            <a:r>
-              <a:rPr lang="en-CA" sz="2000" dirty="0" smtClean="0"/>
-              <a:t>Java JDBC Tutorials: </a:t>
-            </a:r>
-            <a:r>
-              <a:rPr lang="en-CA" sz="2000" dirty="0" smtClean="0">
-                <a:hlinkClick r:id="rId6"/>
-              </a:rPr>
-              <a:t>http://www.tutorialspoint.com/jdbc/</a:t>
-            </a:r>
-            <a:endParaRPr lang="en-CA" sz="2000" dirty="0" smtClean="0"/>
-          </a:p>
-          <a:p>
-            <a:r>
-              <a:rPr lang="en-CA" sz="2000" dirty="0" err="1" smtClean="0"/>
-              <a:t>Reddit</a:t>
-            </a:r>
-            <a:r>
-              <a:rPr lang="en-CA" sz="2000" dirty="0" smtClean="0"/>
-              <a:t> API: </a:t>
-            </a:r>
-            <a:r>
-              <a:rPr lang="en-CA" sz="2000" dirty="0" smtClean="0">
-                <a:hlinkClick r:id="rId7"/>
-              </a:rPr>
-              <a:t>https://github.com/reddit/reddit/blob/master/r2/r2/lib/cloudsearch.py#L172</a:t>
-            </a:r>
-            <a:r>
-              <a:rPr lang="en-CA" sz="2000" dirty="0" smtClean="0"/>
-              <a:t> </a:t>
-            </a:r>
-            <a:endParaRPr lang="en-CA" sz="2000" dirty="0" smtClean="0"/>
-          </a:p>
-          <a:p>
-            <a:r>
-              <a:rPr lang="en-CA" sz="2000" dirty="0" smtClean="0"/>
-              <a:t>Date/time convertor: </a:t>
-            </a:r>
-            <a:r>
-              <a:rPr lang="en-CA" sz="2000" dirty="0" smtClean="0">
-                <a:hlinkClick r:id="rId8"/>
-              </a:rPr>
-              <a:t>http://www.epochconverter.com/</a:t>
-            </a:r>
-            <a:r>
-              <a:rPr lang="en-CA" sz="2000" dirty="0" smtClean="0"/>
-              <a:t> </a:t>
-            </a:r>
-          </a:p>
-          <a:p>
-            <a:r>
-              <a:rPr lang="en-CA" sz="2000" dirty="0" smtClean="0"/>
-              <a:t>Background Image, “Trials of the </a:t>
-            </a:r>
-            <a:r>
-              <a:rPr lang="en-CA" sz="2000" dirty="0" err="1" smtClean="0"/>
-              <a:t>Poro</a:t>
-            </a:r>
-            <a:r>
-              <a:rPr lang="en-CA" sz="2000" dirty="0" smtClean="0"/>
-              <a:t>”, Riot Games: </a:t>
-            </a:r>
-            <a:r>
-              <a:rPr lang="en-CA" sz="2000" dirty="0" smtClean="0">
-                <a:hlinkClick r:id="rId9"/>
-              </a:rPr>
-              <a:t>http://na.leagueoflegends.com/en/news/champions-skins/champion-preview/trials-poro</a:t>
-            </a:r>
-            <a:r>
-              <a:rPr lang="en-CA" sz="2000" dirty="0" smtClean="0"/>
-              <a:t> </a:t>
-            </a:r>
-          </a:p>
-          <a:p>
-            <a:r>
-              <a:rPr lang="en-CA" sz="2000" dirty="0" smtClean="0"/>
-              <a:t>Ping Selector, Riot Games: </a:t>
-            </a:r>
-            <a:r>
-              <a:rPr lang="en-CA" sz="2000" dirty="0" smtClean="0">
-                <a:hlinkClick r:id="rId10"/>
-              </a:rPr>
-              <a:t>http://forums.na.leagueoflegends.com/board/showthread.php?p=35156161</a:t>
-            </a:r>
-            <a:endParaRPr lang="en-CA" sz="2000" dirty="0" smtClean="0"/>
-          </a:p>
-          <a:p>
-            <a:endParaRPr lang="en-CA" sz="2000" dirty="0" smtClean="0"/>
-          </a:p>
-          <a:p>
-            <a:endParaRPr lang="en-CA" sz="2000" dirty="0" smtClean="0"/>
+          <a:bodyPr/>
+          <a:lstStyle/>
+          <a:p>
+            <a:pPr marL="0" indent="0">
+              <a:buNone/>
+            </a:pPr>
+            <a:r>
+              <a:rPr lang="en-CA" dirty="0" smtClean="0"/>
+              <a:t>Lessons Learned:</a:t>
+            </a:r>
+          </a:p>
+          <a:p>
+            <a:r>
+              <a:rPr lang="en-CA" dirty="0" smtClean="0"/>
+              <a:t>Parsing websites is slow</a:t>
+            </a:r>
+          </a:p>
+          <a:p>
+            <a:r>
+              <a:rPr lang="en-CA" dirty="0" smtClean="0"/>
+              <a:t>APIs are awesome</a:t>
+            </a:r>
+          </a:p>
+          <a:p>
+            <a:r>
+              <a:rPr lang="en-CA" dirty="0" smtClean="0"/>
+              <a:t>Graphs are difficult</a:t>
+            </a:r>
+          </a:p>
+          <a:p>
+            <a:r>
+              <a:rPr lang="en-CA" dirty="0" smtClean="0"/>
+              <a:t>Game communities are awesome</a:t>
+            </a:r>
+          </a:p>
+          <a:p>
+            <a:endParaRPr lang="en-CA" dirty="0"/>
           </a:p>
         </p:txBody>
       </p:sp>
     </p:spTree>
     <p:extLst>
       <p:ext uri="{BB962C8B-B14F-4D97-AF65-F5344CB8AC3E}">
-        <p14:creationId xmlns:p14="http://schemas.microsoft.com/office/powerpoint/2010/main" val="152914345"/>
+        <p14:creationId xmlns:p14="http://schemas.microsoft.com/office/powerpoint/2010/main" xmlns="" val="696894115"/>
       </p:ext>
     </p:extLst>
   </p:cSld>
   <p:clrMapOvr>
     <a:masterClrMapping/>
   </p:clrMapOvr>
+  <p:timing>
+    <p:tnLst>
+      <p:par>
+        <p:cTn id="1" dur="indefinite" restart="never" nodeType="tmRoot"/>
+      </p:par>
+    </p:tnLst>
+  </p:timing>
 </p:sld>
 </file>
 
 <file path=ppt/slides/slide16.xml><?xml version="1.0" encoding="utf-8"?>
+<p:sld xmlns:a="http://schemas.openxmlformats.org/drawingml/2006/main" xmlns:r="http://schemas.openxmlformats.org/officeDocument/2006/relationships" xmlns:p="http://schemas.openxmlformats.org/presentationml/2006/main">
+  <p:cSld>
+    <p:spTree>
+      <p:nvGrpSpPr>
+        <p:cNvPr id="1" name=""/>
+        <p:cNvGrpSpPr/>
+        <p:nvPr/>
+      </p:nvGrpSpPr>
+      <p:grpSpPr>
+        <a:xfrm>
+          <a:off x="0" y="0"/>
+          <a:ext cx="0" cy="0"/>
+          <a:chOff x="0" y="0"/>
+          <a:chExt cx="0" cy="0"/>
+        </a:xfrm>
+      </p:grpSpPr>
+      <p:sp>
+        <p:nvSpPr>
+          <p:cNvPr id="2" name="Title 1"/>
+          <p:cNvSpPr>
+            <a:spLocks noGrp="1"/>
+          </p:cNvSpPr>
+          <p:nvPr>
+            <p:ph type="title"/>
+          </p:nvPr>
+        </p:nvSpPr>
+        <p:spPr/>
+        <p:txBody>
+          <a:bodyPr/>
+          <a:lstStyle/>
+          <a:p>
+            <a:r>
+              <a:rPr lang="en-CA" dirty="0" smtClean="0"/>
+              <a:t>References</a:t>
+            </a:r>
+            <a:endParaRPr lang="en-CA" dirty="0"/>
+          </a:p>
+        </p:txBody>
+      </p:sp>
+      <p:sp>
+        <p:nvSpPr>
+          <p:cNvPr id="3" name="Content Placeholder 2"/>
+          <p:cNvSpPr>
+            <a:spLocks noGrp="1"/>
+          </p:cNvSpPr>
+          <p:nvPr>
+            <p:ph idx="1"/>
+          </p:nvPr>
+        </p:nvSpPr>
+        <p:spPr/>
+        <p:txBody>
+          <a:bodyPr>
+            <a:normAutofit fontScale="92500" lnSpcReduction="10000"/>
+          </a:bodyPr>
+          <a:lstStyle/>
+          <a:p>
+            <a:r>
+              <a:rPr lang="en-CA" sz="2000" dirty="0" smtClean="0"/>
+              <a:t>Microsoft SQL Server Express: </a:t>
+            </a:r>
+            <a:r>
+              <a:rPr lang="en-CA" sz="2000" dirty="0" smtClean="0">
+                <a:hlinkClick r:id="rId2"/>
+              </a:rPr>
+              <a:t>http://www.microsoft.com/en-ca/server-cloud/products/sql-server-editions/sql-server-express.aspx</a:t>
+            </a:r>
+            <a:endParaRPr lang="en-CA" sz="2000" dirty="0" smtClean="0"/>
+          </a:p>
+          <a:p>
+            <a:r>
+              <a:rPr lang="en-CA" sz="2000" dirty="0" smtClean="0"/>
+              <a:t>Java Apache </a:t>
+            </a:r>
+            <a:r>
+              <a:rPr lang="en-CA" sz="2000" dirty="0" err="1" smtClean="0"/>
+              <a:t>HTTPComponents</a:t>
+            </a:r>
+            <a:r>
+              <a:rPr lang="en-CA" sz="2000" dirty="0" smtClean="0"/>
+              <a:t>: </a:t>
+            </a:r>
+            <a:r>
+              <a:rPr lang="en-CA" sz="2000" dirty="0" smtClean="0">
+                <a:hlinkClick r:id="rId3"/>
+              </a:rPr>
+              <a:t>http://hc.apache.org/</a:t>
+            </a:r>
+            <a:r>
+              <a:rPr lang="en-CA" sz="2000" dirty="0" smtClean="0"/>
+              <a:t> </a:t>
+            </a:r>
+          </a:p>
+          <a:p>
+            <a:r>
+              <a:rPr lang="en-CA" sz="2000" dirty="0" smtClean="0"/>
+              <a:t>Java HTML parsing with </a:t>
+            </a:r>
+            <a:r>
+              <a:rPr lang="en-CA" sz="2000" dirty="0" err="1" smtClean="0"/>
+              <a:t>jsoup</a:t>
+            </a:r>
+            <a:r>
+              <a:rPr lang="en-CA" sz="2000" dirty="0" smtClean="0"/>
+              <a:t>: </a:t>
+            </a:r>
+            <a:r>
+              <a:rPr lang="en-CA" sz="2000" dirty="0" smtClean="0">
+                <a:hlinkClick r:id="rId4"/>
+              </a:rPr>
+              <a:t>http://jsoup.org/</a:t>
+            </a:r>
+            <a:r>
+              <a:rPr lang="en-CA" sz="2000" dirty="0" smtClean="0"/>
+              <a:t> </a:t>
+            </a:r>
+          </a:p>
+          <a:p>
+            <a:r>
+              <a:rPr lang="en-CA" sz="2000" dirty="0" smtClean="0"/>
+              <a:t>Java Microsoft JDBC Driver: </a:t>
+            </a:r>
+            <a:r>
+              <a:rPr lang="en-CA" sz="2000" dirty="0" smtClean="0">
+                <a:hlinkClick r:id="rId5"/>
+              </a:rPr>
+              <a:t>http://www.microsoft.com/en-ca/download/details.aspx?id=2505</a:t>
+            </a:r>
+            <a:endParaRPr lang="en-CA" sz="2000" dirty="0"/>
+          </a:p>
+          <a:p>
+            <a:r>
+              <a:rPr lang="en-CA" sz="2000" dirty="0" smtClean="0"/>
+              <a:t>Java JDBC Tutorials: </a:t>
+            </a:r>
+            <a:r>
+              <a:rPr lang="en-CA" sz="2000" dirty="0" smtClean="0">
+                <a:hlinkClick r:id="rId6"/>
+              </a:rPr>
+              <a:t>http://www.tutorialspoint.com/jdbc/</a:t>
+            </a:r>
+            <a:endParaRPr lang="en-CA" sz="2000" dirty="0" smtClean="0"/>
+          </a:p>
+          <a:p>
+            <a:r>
+              <a:rPr lang="en-CA" sz="2000" dirty="0" err="1" smtClean="0"/>
+              <a:t>Reddit</a:t>
+            </a:r>
+            <a:r>
+              <a:rPr lang="en-CA" sz="2000" dirty="0" smtClean="0"/>
+              <a:t> API: </a:t>
+            </a:r>
+            <a:r>
+              <a:rPr lang="en-CA" sz="2000" dirty="0" smtClean="0">
+                <a:hlinkClick r:id="rId7"/>
+              </a:rPr>
+              <a:t>https://github.com/reddit/reddit/blob/master/r2/r2/lib/cloudsearch.py#L172</a:t>
+            </a:r>
+            <a:r>
+              <a:rPr lang="en-CA" sz="2000" dirty="0" smtClean="0"/>
+              <a:t> </a:t>
+            </a:r>
+          </a:p>
+          <a:p>
+            <a:r>
+              <a:rPr lang="en-CA" sz="2000" dirty="0" smtClean="0"/>
+              <a:t>Date/time convertor: </a:t>
+            </a:r>
+            <a:r>
+              <a:rPr lang="en-CA" sz="2000" dirty="0" smtClean="0">
+                <a:hlinkClick r:id="rId8"/>
+              </a:rPr>
+              <a:t>http://www.epochconverter.com/</a:t>
+            </a:r>
+            <a:r>
+              <a:rPr lang="en-CA" sz="2000" dirty="0" smtClean="0"/>
+              <a:t> </a:t>
+            </a:r>
+          </a:p>
+          <a:p>
+            <a:r>
+              <a:rPr lang="en-CA" sz="2000" dirty="0" smtClean="0"/>
+              <a:t>Background Image, “Trials of the </a:t>
+            </a:r>
+            <a:r>
+              <a:rPr lang="en-CA" sz="2000" dirty="0" err="1" smtClean="0"/>
+              <a:t>Poro</a:t>
+            </a:r>
+            <a:r>
+              <a:rPr lang="en-CA" sz="2000" dirty="0" smtClean="0"/>
+              <a:t>”, Riot Games: </a:t>
+            </a:r>
+            <a:r>
+              <a:rPr lang="en-CA" sz="2000" dirty="0" smtClean="0">
+                <a:hlinkClick r:id="rId9"/>
+              </a:rPr>
+              <a:t>http://na.leagueoflegends.com/en/news/champions-skins/champion-preview/trials-poro</a:t>
+            </a:r>
+            <a:r>
+              <a:rPr lang="en-CA" sz="2000" dirty="0" smtClean="0"/>
+              <a:t> </a:t>
+            </a:r>
+          </a:p>
+          <a:p>
+            <a:r>
+              <a:rPr lang="en-CA" sz="2000" dirty="0" smtClean="0"/>
+              <a:t>Ping Selector, Riot Games: </a:t>
+            </a:r>
+            <a:r>
+              <a:rPr lang="en-CA" sz="2000" dirty="0" smtClean="0">
+                <a:hlinkClick r:id="rId10"/>
+              </a:rPr>
+              <a:t>http://forums.na.leagueoflegends.com/board/showthread.php?p=35156161</a:t>
+            </a:r>
+            <a:endParaRPr lang="en-CA" sz="2000" dirty="0" smtClean="0"/>
+          </a:p>
+          <a:p>
+            <a:endParaRPr lang="en-CA" sz="2000" dirty="0" smtClean="0"/>
+          </a:p>
+          <a:p>
+            <a:endParaRPr lang="en-CA" sz="2000" dirty="0" smtClean="0"/>
+          </a:p>
+        </p:txBody>
+      </p:sp>
+    </p:spTree>
+    <p:extLst>
+      <p:ext uri="{BB962C8B-B14F-4D97-AF65-F5344CB8AC3E}">
+        <p14:creationId xmlns:p14="http://schemas.microsoft.com/office/powerpoint/2010/main" xmlns="" val="152914345"/>
+      </p:ext>
+    </p:extLst>
+  </p:cSld>
+  <p:clrMapOvr>
+    <a:masterClrMapping/>
+  </p:clrMapOvr>
+  <p:timing>
+    <p:tnLst>
+      <p:par>
+        <p:cTn id="1" dur="indefinite" restart="never" nodeType="tmRoot"/>
+      </p:par>
+    </p:tnLst>
+  </p:timing>
+</p:sld>
+</file>
+
+<file path=ppt/slides/slide17.xml><?xml version="1.0" encoding="utf-8"?>
 <p:sld xmlns:a="http://schemas.openxmlformats.org/drawingml/2006/main" xmlns:r="http://schemas.openxmlformats.org/officeDocument/2006/relationships" xmlns:p="http://schemas.openxmlformats.org/presentationml/2006/main">
   <p:cSld>
     <p:spTree>
@@ -4089,10 +4297,10 @@
           <p:nvPr/>
         </p:nvPicPr>
         <p:blipFill>
-          <a:blip r:embed="rId2">
+          <a:blip r:embed="rId2" cstate="print">
             <a:extLst>
               <a:ext uri="{28A0092B-C50C-407E-A947-70E740481C1C}">
-                <a14:useLocalDpi xmlns:a14="http://schemas.microsoft.com/office/drawing/2010/main" val="0"/>
+                <a14:useLocalDpi xmlns:a14="http://schemas.microsoft.com/office/drawing/2010/main" xmlns="" val="0"/>
               </a:ext>
             </a:extLst>
           </a:blip>
@@ -4112,7 +4320,7 @@
           <a:noFill/>
           <a:extLst>
             <a:ext uri="{909E8E84-426E-40DD-AFC4-6F175D3DCCD1}">
-              <a14:hiddenFill xmlns:a14="http://schemas.microsoft.com/office/drawing/2010/main">
+              <a14:hiddenFill xmlns:a14="http://schemas.microsoft.com/office/drawing/2010/main" xmlns="">
                 <a:solidFill>
                   <a:srgbClr val="FFFFFF"/>
                 </a:solidFill>
@@ -4165,13 +4373,20 @@
     </p:spTree>
     <p:extLst>
       <p:ext uri="{BB962C8B-B14F-4D97-AF65-F5344CB8AC3E}">
-        <p14:creationId xmlns:p14="http://schemas.microsoft.com/office/powerpoint/2010/main" val="1449761212"/>
+        <p14:creationId xmlns:p14="http://schemas.microsoft.com/office/powerpoint/2010/main" xmlns="" val="1449761212"/>
       </p:ext>
     </p:extLst>
   </p:cSld>
   <p:clrMapOvr>
     <a:masterClrMapping/>
   </p:clrMapOvr>
+  <p:timing>
+    <p:tnLst>
+      <p:par>
+        <p:cTn id="1" dur="indefinite" restart="never" nodeType="tmRoot"/>
+      </p:par>
+    </p:tnLst>
+  </p:timing>
 </p:sld>
 </file>
 
@@ -4270,13 +4485,20 @@
     </p:spTree>
     <p:extLst>
       <p:ext uri="{BB962C8B-B14F-4D97-AF65-F5344CB8AC3E}">
-        <p14:creationId xmlns:p14="http://schemas.microsoft.com/office/powerpoint/2010/main" val="973310421"/>
+        <p14:creationId xmlns:p14="http://schemas.microsoft.com/office/powerpoint/2010/main" xmlns="" val="973310421"/>
       </p:ext>
     </p:extLst>
   </p:cSld>
   <p:clrMapOvr>
     <a:masterClrMapping/>
   </p:clrMapOvr>
+  <p:timing>
+    <p:tnLst>
+      <p:par>
+        <p:cTn id="1" dur="indefinite" restart="never" nodeType="tmRoot"/>
+      </p:par>
+    </p:tnLst>
+  </p:timing>
 </p:sld>
 </file>
 
@@ -4377,13 +4599,20 @@
     </p:spTree>
     <p:extLst>
       <p:ext uri="{BB962C8B-B14F-4D97-AF65-F5344CB8AC3E}">
-        <p14:creationId xmlns:p14="http://schemas.microsoft.com/office/powerpoint/2010/main" val="2921553208"/>
+        <p14:creationId xmlns:p14="http://schemas.microsoft.com/office/powerpoint/2010/main" xmlns="" val="2921553208"/>
       </p:ext>
     </p:extLst>
   </p:cSld>
   <p:clrMapOvr>
     <a:masterClrMapping/>
   </p:clrMapOvr>
+  <p:timing>
+    <p:tnLst>
+      <p:par>
+        <p:cTn id="1" dur="indefinite" restart="never" nodeType="tmRoot"/>
+      </p:par>
+    </p:tnLst>
+  </p:timing>
 </p:sld>
 </file>
 
@@ -4503,13 +4732,20 @@
     </p:spTree>
     <p:extLst>
       <p:ext uri="{BB962C8B-B14F-4D97-AF65-F5344CB8AC3E}">
-        <p14:creationId xmlns:p14="http://schemas.microsoft.com/office/powerpoint/2010/main" val="4168396645"/>
+        <p14:creationId xmlns:p14="http://schemas.microsoft.com/office/powerpoint/2010/main" xmlns="" val="4168396645"/>
       </p:ext>
     </p:extLst>
   </p:cSld>
   <p:clrMapOvr>
     <a:masterClrMapping/>
   </p:clrMapOvr>
+  <p:timing>
+    <p:tnLst>
+      <p:par>
+        <p:cTn id="1" dur="indefinite" restart="never" nodeType="tmRoot"/>
+      </p:par>
+    </p:tnLst>
+  </p:timing>
 </p:sld>
 </file>
 
@@ -4623,13 +4859,20 @@
     </p:spTree>
     <p:extLst>
       <p:ext uri="{BB962C8B-B14F-4D97-AF65-F5344CB8AC3E}">
-        <p14:creationId xmlns:p14="http://schemas.microsoft.com/office/powerpoint/2010/main" val="3728220187"/>
+        <p14:creationId xmlns:p14="http://schemas.microsoft.com/office/powerpoint/2010/main" xmlns="" val="3728220187"/>
       </p:ext>
     </p:extLst>
   </p:cSld>
   <p:clrMapOvr>
     <a:masterClrMapping/>
   </p:clrMapOvr>
+  <p:timing>
+    <p:tnLst>
+      <p:par>
+        <p:cTn id="1" dur="indefinite" restart="never" nodeType="tmRoot"/>
+      </p:par>
+    </p:tnLst>
+  </p:timing>
 </p:sld>
 </file>
 
@@ -4834,13 +5077,20 @@
     </p:spTree>
     <p:extLst>
       <p:ext uri="{BB962C8B-B14F-4D97-AF65-F5344CB8AC3E}">
-        <p14:creationId xmlns:p14="http://schemas.microsoft.com/office/powerpoint/2010/main" val="4052290972"/>
+        <p14:creationId xmlns:p14="http://schemas.microsoft.com/office/powerpoint/2010/main" xmlns="" val="4052290972"/>
       </p:ext>
     </p:extLst>
   </p:cSld>
   <p:clrMapOvr>
     <a:masterClrMapping/>
   </p:clrMapOvr>
+  <p:timing>
+    <p:tnLst>
+      <p:par>
+        <p:cTn id="1" dur="indefinite" restart="never" nodeType="tmRoot"/>
+      </p:par>
+    </p:tnLst>
+  </p:timing>
 </p:sld>
 </file>
 
@@ -4880,7 +5130,7 @@
               <a:rPr lang="en-CA" dirty="0" smtClean="0"/>
               <a:t>Methodology</a:t>
             </a:r>
-            <a:endParaRPr lang="en-CA" dirty="0"/>
+            <a:endParaRPr lang="en-US" dirty="0"/>
           </a:p>
         </p:txBody>
       </p:sp>
@@ -4894,134 +5144,931 @@
             <p:ph idx="1"/>
           </p:nvPr>
         </p:nvSpPr>
-        <p:spPr/>
-        <p:txBody>
-          <a:bodyPr>
-            <a:normAutofit/>
+        <p:spPr>
+          <a:xfrm>
+            <a:off x="457200" y="1484784"/>
+            <a:ext cx="8219256" cy="604663"/>
+          </a:xfrm>
+        </p:spPr>
+        <p:txBody>
+          <a:bodyPr/>
+          <a:lstStyle/>
+          <a:p>
+            <a:pPr>
+              <a:buNone/>
+            </a:pPr>
+            <a:r>
+              <a:rPr lang="en-US" dirty="0" smtClean="0"/>
+              <a:t>Awesome </a:t>
+            </a:r>
+            <a:r>
+              <a:rPr lang="en-US" dirty="0" err="1" smtClean="0"/>
+              <a:t>Reddit</a:t>
+            </a:r>
+            <a:r>
+              <a:rPr lang="en-US" dirty="0" smtClean="0"/>
+              <a:t> API:</a:t>
+            </a:r>
+          </a:p>
+        </p:txBody>
+      </p:sp>
+      <p:sp>
+        <p:nvSpPr>
+          <p:cNvPr id="4" name="TextBox 3"/>
+          <p:cNvSpPr txBox="1"/>
+          <p:nvPr/>
+        </p:nvSpPr>
+        <p:spPr>
+          <a:xfrm>
+            <a:off x="467544" y="2060848"/>
+            <a:ext cx="4493281" cy="400110"/>
+          </a:xfrm>
+          <a:prstGeom prst="rect">
+            <a:avLst/>
+          </a:prstGeom>
+          <a:noFill/>
+        </p:spPr>
+        <p:txBody>
+          <a:bodyPr wrap="none" rtlCol="0">
+            <a:spAutoFit/>
           </a:bodyPr>
           <a:lstStyle/>
           <a:p>
-            <a:pPr marL="0" indent="0">
-              <a:buNone/>
-            </a:pPr>
-            <a:r>
-              <a:rPr lang="en-CA" dirty="0" smtClean="0"/>
-              <a:t>Graphs:</a:t>
-            </a:r>
-          </a:p>
-          <a:p>
-            <a:pPr marL="0" indent="0">
-              <a:buNone/>
-            </a:pPr>
-            <a:r>
-              <a:rPr lang="en-CA" sz="2400" dirty="0" smtClean="0"/>
-              <a:t>For a given search term…</a:t>
-            </a:r>
-          </a:p>
-          <a:p>
-            <a:pPr marL="514350" indent="-514350">
-              <a:buAutoNum type="arabicPeriod"/>
-            </a:pPr>
-            <a:r>
-              <a:rPr lang="en-CA" sz="2400" dirty="0" smtClean="0"/>
-              <a:t>Find all </a:t>
-            </a:r>
-            <a:r>
-              <a:rPr lang="en-CA" sz="2400" dirty="0" err="1" smtClean="0"/>
-              <a:t>Reddit</a:t>
-            </a:r>
-            <a:r>
-              <a:rPr lang="en-CA" sz="2400" dirty="0" smtClean="0"/>
-              <a:t> posts which contain this term (body or title)</a:t>
-            </a:r>
-          </a:p>
-          <a:p>
-            <a:pPr marL="514350" indent="-514350">
-              <a:buAutoNum type="arabicPeriod"/>
-            </a:pPr>
-            <a:r>
-              <a:rPr lang="en-CA" sz="2400" dirty="0" smtClean="0"/>
-              <a:t>Assign each </a:t>
-            </a:r>
-            <a:r>
-              <a:rPr lang="en-CA" sz="2400" dirty="0" err="1" smtClean="0"/>
-              <a:t>Reddit</a:t>
-            </a:r>
-            <a:r>
-              <a:rPr lang="en-CA" sz="2400" dirty="0" smtClean="0"/>
-              <a:t> post a weighting:</a:t>
-            </a:r>
-          </a:p>
-          <a:p>
-            <a:pPr marL="0" indent="0">
-              <a:buNone/>
-            </a:pPr>
-            <a:r>
-              <a:rPr lang="en-CA" sz="2400" dirty="0"/>
-              <a:t>	</a:t>
-            </a:r>
-            <a:r>
-              <a:rPr lang="en-CA" sz="2400" dirty="0" smtClean="0"/>
-              <a:t>weight = </a:t>
-            </a:r>
-            <a:r>
-              <a:rPr lang="en-CA" sz="2400" b="1" dirty="0" smtClean="0"/>
-              <a:t>log10</a:t>
-            </a:r>
-            <a:r>
-              <a:rPr lang="en-CA" sz="2400" dirty="0" smtClean="0"/>
-              <a:t>(</a:t>
-            </a:r>
-            <a:r>
-              <a:rPr lang="en-CA" sz="2400" dirty="0" err="1" smtClean="0"/>
-              <a:t>numberOfComments</a:t>
-            </a:r>
-            <a:r>
-              <a:rPr lang="en-CA" sz="2400" dirty="0" smtClean="0"/>
-              <a:t>)+</a:t>
-            </a:r>
-            <a:r>
-              <a:rPr lang="en-CA" sz="2400" b="1" dirty="0" smtClean="0"/>
-              <a:t>log10</a:t>
-            </a:r>
-            <a:r>
-              <a:rPr lang="en-CA" sz="2400" dirty="0" smtClean="0"/>
-              <a:t>(popularity)</a:t>
-            </a:r>
-          </a:p>
-          <a:p>
-            <a:pPr marL="457200" indent="-457200">
-              <a:buFont typeface="+mj-lt"/>
-              <a:buAutoNum type="arabicPeriod" startAt="3"/>
-            </a:pPr>
-            <a:r>
-              <a:rPr lang="en-CA" sz="2400" dirty="0" smtClean="0"/>
-              <a:t>Find all Patch notes which contain this term</a:t>
-            </a:r>
-          </a:p>
-          <a:p>
-            <a:pPr marL="457200" indent="-457200">
-              <a:buFont typeface="+mj-lt"/>
-              <a:buAutoNum type="arabicPeriod" startAt="3"/>
-            </a:pPr>
-            <a:r>
-              <a:rPr lang="en-CA" sz="2400" dirty="0" smtClean="0"/>
-              <a:t>Graph vs. time (weekly granularity)	</a:t>
-            </a:r>
-            <a:endParaRPr lang="en-CA" sz="2400" dirty="0"/>
+            <a:r>
+              <a:rPr lang="en-US" sz="2000" dirty="0" smtClean="0"/>
+              <a:t>http</a:t>
+            </a:r>
+            <a:r>
+              <a:rPr lang="en-US" sz="2000" dirty="0" smtClean="0"/>
+              <a:t>://www.reddit.com/r/</a:t>
+            </a:r>
+            <a:r>
+              <a:rPr lang="en-US" sz="2000" b="1" dirty="0" smtClean="0"/>
+              <a:t>&lt;SUBREDDIT</a:t>
+            </a:r>
+            <a:r>
+              <a:rPr lang="en-US" sz="2000" b="1" dirty="0" smtClean="0"/>
+              <a:t>&gt;</a:t>
+            </a:r>
+            <a:r>
+              <a:rPr lang="en-US" sz="2000" dirty="0" smtClean="0"/>
+              <a:t>/</a:t>
+            </a:r>
+            <a:endParaRPr lang="en-US" sz="2000" b="1" dirty="0"/>
+          </a:p>
+        </p:txBody>
+      </p:sp>
+      <p:sp>
+        <p:nvSpPr>
+          <p:cNvPr id="5" name="TextBox 4"/>
+          <p:cNvSpPr txBox="1"/>
+          <p:nvPr/>
+        </p:nvSpPr>
+        <p:spPr>
+          <a:xfrm>
+            <a:off x="967293" y="2492896"/>
+            <a:ext cx="8150116" cy="400110"/>
+          </a:xfrm>
+          <a:prstGeom prst="rect">
+            <a:avLst/>
+          </a:prstGeom>
+          <a:noFill/>
+        </p:spPr>
+        <p:txBody>
+          <a:bodyPr wrap="none" rtlCol="0">
+            <a:spAutoFit/>
+          </a:bodyPr>
+          <a:lstStyle/>
+          <a:p>
+            <a:r>
+              <a:rPr lang="en-US" sz="2000" dirty="0" err="1" smtClean="0"/>
+              <a:t>Search.json?q</a:t>
+            </a:r>
+            <a:r>
+              <a:rPr lang="en-US" sz="2000" dirty="0" smtClean="0"/>
+              <a:t>=(</a:t>
+            </a:r>
+            <a:r>
+              <a:rPr lang="en-US" sz="2000" dirty="0" err="1" smtClean="0"/>
+              <a:t>and+timestamp</a:t>
+            </a:r>
+            <a:r>
+              <a:rPr lang="en-US" sz="2000" dirty="0" smtClean="0"/>
+              <a:t>:</a:t>
+            </a:r>
+            <a:r>
+              <a:rPr lang="en-US" sz="2000" b="1" dirty="0" smtClean="0"/>
+              <a:t>&lt;STIME&gt;</a:t>
+            </a:r>
+            <a:r>
+              <a:rPr lang="en-US" sz="2000" dirty="0" smtClean="0"/>
+              <a:t>..</a:t>
+            </a:r>
+            <a:r>
+              <a:rPr lang="en-US" sz="2000" b="1" dirty="0" smtClean="0"/>
+              <a:t>&lt;</a:t>
+            </a:r>
+            <a:r>
+              <a:rPr lang="en-US" sz="2000" b="1" dirty="0" smtClean="0"/>
+              <a:t>ENDTIME&gt;</a:t>
+            </a:r>
+            <a:r>
+              <a:rPr lang="en-US" sz="2000" dirty="0" smtClean="0"/>
+              <a:t>+title:'</a:t>
+            </a:r>
+            <a:r>
+              <a:rPr lang="en-US" sz="2000" b="1" dirty="0" smtClean="0"/>
+              <a:t>&lt;KEYWORDS&gt;</a:t>
+            </a:r>
+            <a:r>
+              <a:rPr lang="en-US" sz="2000" dirty="0" smtClean="0"/>
+              <a:t>')</a:t>
+            </a:r>
+            <a:endParaRPr lang="en-US" sz="2000" dirty="0"/>
+          </a:p>
+        </p:txBody>
+      </p:sp>
+      <p:sp>
+        <p:nvSpPr>
+          <p:cNvPr id="6" name="TextBox 5"/>
+          <p:cNvSpPr txBox="1"/>
+          <p:nvPr/>
+        </p:nvSpPr>
+        <p:spPr>
+          <a:xfrm>
+            <a:off x="969259" y="2996952"/>
+            <a:ext cx="6267037" cy="400110"/>
+          </a:xfrm>
+          <a:prstGeom prst="rect">
+            <a:avLst/>
+          </a:prstGeom>
+          <a:noFill/>
+        </p:spPr>
+        <p:txBody>
+          <a:bodyPr wrap="none" rtlCol="0">
+            <a:spAutoFit/>
+          </a:bodyPr>
+          <a:lstStyle/>
+          <a:p>
+            <a:r>
+              <a:rPr lang="en-US" sz="2000" dirty="0" smtClean="0"/>
+              <a:t>&amp;</a:t>
+            </a:r>
+            <a:r>
+              <a:rPr lang="en-US" sz="2000" dirty="0" smtClean="0"/>
+              <a:t>sort=</a:t>
+            </a:r>
+            <a:r>
+              <a:rPr lang="en-US" sz="2000" dirty="0" err="1" smtClean="0"/>
+              <a:t>top&amp;restrict_sr</a:t>
+            </a:r>
+            <a:r>
+              <a:rPr lang="en-US" sz="2000" dirty="0" smtClean="0"/>
+              <a:t>=</a:t>
+            </a:r>
+            <a:r>
+              <a:rPr lang="en-US" sz="2000" dirty="0" err="1" smtClean="0"/>
+              <a:t>on&amp;syntax</a:t>
+            </a:r>
+            <a:r>
+              <a:rPr lang="en-US" sz="2000" dirty="0" smtClean="0"/>
+              <a:t>=</a:t>
+            </a:r>
+            <a:r>
+              <a:rPr lang="en-US" sz="2000" dirty="0" err="1" smtClean="0"/>
+              <a:t>cloudsearch&amp;limit</a:t>
+            </a:r>
+            <a:r>
+              <a:rPr lang="en-US" sz="2000" dirty="0" smtClean="0"/>
+              <a:t>=100</a:t>
+            </a:r>
+            <a:endParaRPr lang="en-US" sz="2000" dirty="0"/>
+          </a:p>
+        </p:txBody>
+      </p:sp>
+      <p:sp>
+        <p:nvSpPr>
+          <p:cNvPr id="7" name="TextBox 6"/>
+          <p:cNvSpPr txBox="1"/>
+          <p:nvPr/>
+        </p:nvSpPr>
+        <p:spPr>
+          <a:xfrm>
+            <a:off x="467544" y="4221088"/>
+            <a:ext cx="7920880" cy="2246769"/>
+          </a:xfrm>
+          <a:prstGeom prst="rect">
+            <a:avLst/>
+          </a:prstGeom>
+          <a:noFill/>
+        </p:spPr>
+        <p:txBody>
+          <a:bodyPr wrap="square" rtlCol="0">
+            <a:spAutoFit/>
+          </a:bodyPr>
+          <a:lstStyle/>
+          <a:p>
+            <a:r>
+              <a:rPr lang="en-US" sz="2000" dirty="0" smtClean="0"/>
+              <a:t>For example, get the top 100 posts in the League of Legends </a:t>
+            </a:r>
+            <a:r>
+              <a:rPr lang="en-US" sz="2000" dirty="0" err="1" smtClean="0"/>
+              <a:t>subreddit</a:t>
+            </a:r>
+            <a:r>
+              <a:rPr lang="en-US" sz="2000" dirty="0" smtClean="0"/>
+              <a:t> on the week of Feb. 8 which contain the words “bug” or “issue” in the title:</a:t>
+            </a:r>
+          </a:p>
+          <a:p>
+            <a:r>
+              <a:rPr lang="en-US" sz="2000" dirty="0" smtClean="0">
+                <a:hlinkClick r:id="rId2"/>
+              </a:rPr>
+              <a:t>http</a:t>
+            </a:r>
+            <a:r>
+              <a:rPr lang="en-US" sz="2000" dirty="0" smtClean="0">
+                <a:hlinkClick r:id="rId2"/>
+              </a:rPr>
+              <a:t>://</a:t>
+            </a:r>
+            <a:r>
+              <a:rPr lang="en-US" sz="2000" dirty="0" smtClean="0">
+                <a:hlinkClick r:id="rId2"/>
+              </a:rPr>
+              <a:t>www.reddit.com/r/leagueoflegends/search.json?q</a:t>
+            </a:r>
+            <a:r>
+              <a:rPr lang="en-US" sz="2000" dirty="0" smtClean="0">
+                <a:hlinkClick r:id="rId2"/>
+              </a:rPr>
+              <a:t>=(</a:t>
+            </a:r>
+            <a:r>
+              <a:rPr lang="en-US" sz="2000" dirty="0" smtClean="0">
+                <a:hlinkClick r:id="rId2"/>
+              </a:rPr>
+              <a:t>and+timestamp:</a:t>
+            </a:r>
+            <a:r>
+              <a:rPr lang="en-US" sz="2000" dirty="0" smtClean="0">
+                <a:hlinkClick r:id="rId2"/>
+              </a:rPr>
+              <a:t>1423382400</a:t>
+            </a:r>
+            <a:r>
+              <a:rPr lang="en-US" sz="2000" dirty="0" smtClean="0">
+                <a:hlinkClick r:id="rId2"/>
+              </a:rPr>
+              <a:t>..1423987200+title</a:t>
+            </a:r>
+            <a:r>
+              <a:rPr lang="en-US" sz="2000" dirty="0" smtClean="0">
+                <a:hlinkClick r:id="rId2"/>
+              </a:rPr>
+              <a:t>:'bug||issue')&amp;</a:t>
+            </a:r>
+            <a:r>
+              <a:rPr lang="en-US" sz="2000" dirty="0" smtClean="0">
+                <a:hlinkClick r:id="rId2"/>
+              </a:rPr>
+              <a:t>sort=</a:t>
+            </a:r>
+            <a:r>
+              <a:rPr lang="en-US" sz="2000" dirty="0" err="1" smtClean="0">
+                <a:hlinkClick r:id="rId2"/>
+              </a:rPr>
+              <a:t>top&amp;restrict_sr</a:t>
+            </a:r>
+            <a:r>
+              <a:rPr lang="en-US" sz="2000" dirty="0" smtClean="0">
+                <a:hlinkClick r:id="rId2"/>
+              </a:rPr>
+              <a:t>=</a:t>
+            </a:r>
+            <a:r>
+              <a:rPr lang="en-US" sz="2000" dirty="0" err="1" smtClean="0">
+                <a:hlinkClick r:id="rId2"/>
+              </a:rPr>
+              <a:t>on&amp;syntax</a:t>
+            </a:r>
+            <a:r>
+              <a:rPr lang="en-US" sz="2000" dirty="0" smtClean="0">
+                <a:hlinkClick r:id="rId2"/>
+              </a:rPr>
+              <a:t>=</a:t>
+            </a:r>
+            <a:r>
+              <a:rPr lang="en-US" sz="2000" dirty="0" err="1" smtClean="0">
+                <a:hlinkClick r:id="rId2"/>
+              </a:rPr>
+              <a:t>cloudsearch&amp;limit</a:t>
+            </a:r>
+            <a:r>
+              <a:rPr lang="en-US" sz="2000" dirty="0" smtClean="0">
+                <a:hlinkClick r:id="rId2"/>
+              </a:rPr>
+              <a:t>=100</a:t>
+            </a:r>
+            <a:endParaRPr lang="en-US" sz="2000" dirty="0" smtClean="0"/>
+          </a:p>
+          <a:p>
+            <a:endParaRPr lang="en-US" sz="2000" dirty="0" smtClean="0"/>
+          </a:p>
+          <a:p>
+            <a:endParaRPr lang="en-US" sz="2000" dirty="0"/>
+          </a:p>
+        </p:txBody>
+      </p:sp>
+      <p:sp>
+        <p:nvSpPr>
+          <p:cNvPr id="8" name="Plus 7"/>
+          <p:cNvSpPr/>
+          <p:nvPr/>
+        </p:nvSpPr>
+        <p:spPr>
+          <a:xfrm>
+            <a:off x="539552" y="2420888"/>
+            <a:ext cx="432048" cy="432048"/>
+          </a:xfrm>
+          <a:prstGeom prst="mathPlus">
+            <a:avLst/>
+          </a:prstGeom>
+        </p:spPr>
+        <p:style>
+          <a:lnRef idx="2">
+            <a:schemeClr val="accent1">
+              <a:shade val="50000"/>
+            </a:schemeClr>
+          </a:lnRef>
+          <a:fillRef idx="1">
+            <a:schemeClr val="accent1"/>
+          </a:fillRef>
+          <a:effectRef idx="0">
+            <a:schemeClr val="accent1"/>
+          </a:effectRef>
+          <a:fontRef idx="minor">
+            <a:schemeClr val="lt1"/>
+          </a:fontRef>
+        </p:style>
+        <p:txBody>
+          <a:bodyPr rtlCol="0" anchor="ctr"/>
+          <a:lstStyle/>
+          <a:p>
+            <a:pPr algn="ctr"/>
+            <a:endParaRPr lang="en-US"/>
+          </a:p>
+        </p:txBody>
+      </p:sp>
+      <p:sp>
+        <p:nvSpPr>
+          <p:cNvPr id="9" name="Plus 8"/>
+          <p:cNvSpPr/>
+          <p:nvPr/>
+        </p:nvSpPr>
+        <p:spPr>
+          <a:xfrm>
+            <a:off x="539552" y="2924944"/>
+            <a:ext cx="432048" cy="432048"/>
+          </a:xfrm>
+          <a:prstGeom prst="mathPlus">
+            <a:avLst/>
+          </a:prstGeom>
+        </p:spPr>
+        <p:style>
+          <a:lnRef idx="2">
+            <a:schemeClr val="accent1">
+              <a:shade val="50000"/>
+            </a:schemeClr>
+          </a:lnRef>
+          <a:fillRef idx="1">
+            <a:schemeClr val="accent1"/>
+          </a:fillRef>
+          <a:effectRef idx="0">
+            <a:schemeClr val="accent1"/>
+          </a:effectRef>
+          <a:fontRef idx="minor">
+            <a:schemeClr val="lt1"/>
+          </a:fontRef>
+        </p:style>
+        <p:txBody>
+          <a:bodyPr rtlCol="0" anchor="ctr"/>
+          <a:lstStyle/>
+          <a:p>
+            <a:pPr algn="ctr"/>
+            <a:endParaRPr lang="en-US"/>
           </a:p>
         </p:txBody>
       </p:sp>
     </p:spTree>
-    <p:extLst>
-      <p:ext uri="{BB962C8B-B14F-4D97-AF65-F5344CB8AC3E}">
-        <p14:creationId xmlns:p14="http://schemas.microsoft.com/office/powerpoint/2010/main" val="2428888462"/>
-      </p:ext>
-    </p:extLst>
   </p:cSld>
   <p:clrMapOvr>
     <a:masterClrMapping/>
   </p:clrMapOvr>
+  <p:timing>
+    <p:tnLst>
+      <p:par>
+        <p:cTn id="1" dur="indefinite" restart="never" nodeType="tmRoot">
+          <p:childTnLst>
+            <p:seq concurrent="1" nextAc="seek">
+              <p:cTn id="2" dur="indefinite" nodeType="mainSeq">
+                <p:childTnLst>
+                  <p:par>
+                    <p:cTn id="3" fill="hold">
+                      <p:stCondLst>
+                        <p:cond delay="indefinite"/>
+                      </p:stCondLst>
+                      <p:childTnLst>
+                        <p:par>
+                          <p:cTn id="4" fill="hold">
+                            <p:stCondLst>
+                              <p:cond delay="0"/>
+                            </p:stCondLst>
+                            <p:childTnLst>
+                              <p:par>
+                                <p:cTn id="5" presetID="2" presetClass="entr" presetSubtype="4" fill="hold" grpId="0" nodeType="clickEffect">
+                                  <p:stCondLst>
+                                    <p:cond delay="0"/>
+                                  </p:stCondLst>
+                                  <p:childTnLst>
+                                    <p:set>
+                                      <p:cBhvr>
+                                        <p:cTn id="6" dur="1" fill="hold">
+                                          <p:stCondLst>
+                                            <p:cond delay="0"/>
+                                          </p:stCondLst>
+                                        </p:cTn>
+                                        <p:tgtEl>
+                                          <p:spTgt spid="4"/>
+                                        </p:tgtEl>
+                                        <p:attrNameLst>
+                                          <p:attrName>style.visibility</p:attrName>
+                                        </p:attrNameLst>
+                                      </p:cBhvr>
+                                      <p:to>
+                                        <p:strVal val="visible"/>
+                                      </p:to>
+                                    </p:set>
+                                    <p:anim calcmode="lin" valueType="num">
+                                      <p:cBhvr additive="base">
+                                        <p:cTn id="7" dur="500" fill="hold"/>
+                                        <p:tgtEl>
+                                          <p:spTgt spid="4"/>
+                                        </p:tgtEl>
+                                        <p:attrNameLst>
+                                          <p:attrName>ppt_x</p:attrName>
+                                        </p:attrNameLst>
+                                      </p:cBhvr>
+                                      <p:tavLst>
+                                        <p:tav tm="0">
+                                          <p:val>
+                                            <p:strVal val="#ppt_x"/>
+                                          </p:val>
+                                        </p:tav>
+                                        <p:tav tm="100000">
+                                          <p:val>
+                                            <p:strVal val="#ppt_x"/>
+                                          </p:val>
+                                        </p:tav>
+                                      </p:tavLst>
+                                    </p:anim>
+                                    <p:anim calcmode="lin" valueType="num">
+                                      <p:cBhvr additive="base">
+                                        <p:cTn id="8" dur="500" fill="hold"/>
+                                        <p:tgtEl>
+                                          <p:spTgt spid="4"/>
+                                        </p:tgtEl>
+                                        <p:attrNameLst>
+                                          <p:attrName>ppt_y</p:attrName>
+                                        </p:attrNameLst>
+                                      </p:cBhvr>
+                                      <p:tavLst>
+                                        <p:tav tm="0">
+                                          <p:val>
+                                            <p:strVal val="1+#ppt_h/2"/>
+                                          </p:val>
+                                        </p:tav>
+                                        <p:tav tm="100000">
+                                          <p:val>
+                                            <p:strVal val="#ppt_y"/>
+                                          </p:val>
+                                        </p:tav>
+                                      </p:tavLst>
+                                    </p:anim>
+                                  </p:childTnLst>
+                                </p:cTn>
+                              </p:par>
+                            </p:childTnLst>
+                          </p:cTn>
+                        </p:par>
+                      </p:childTnLst>
+                    </p:cTn>
+                  </p:par>
+                  <p:par>
+                    <p:cTn id="9" fill="hold">
+                      <p:stCondLst>
+                        <p:cond delay="indefinite"/>
+                      </p:stCondLst>
+                      <p:childTnLst>
+                        <p:par>
+                          <p:cTn id="10" fill="hold">
+                            <p:stCondLst>
+                              <p:cond delay="0"/>
+                            </p:stCondLst>
+                            <p:childTnLst>
+                              <p:par>
+                                <p:cTn id="11" presetID="2" presetClass="entr" presetSubtype="4" fill="hold" grpId="0" nodeType="clickEffect">
+                                  <p:stCondLst>
+                                    <p:cond delay="0"/>
+                                  </p:stCondLst>
+                                  <p:childTnLst>
+                                    <p:set>
+                                      <p:cBhvr>
+                                        <p:cTn id="12" dur="1" fill="hold">
+                                          <p:stCondLst>
+                                            <p:cond delay="0"/>
+                                          </p:stCondLst>
+                                        </p:cTn>
+                                        <p:tgtEl>
+                                          <p:spTgt spid="8"/>
+                                        </p:tgtEl>
+                                        <p:attrNameLst>
+                                          <p:attrName>style.visibility</p:attrName>
+                                        </p:attrNameLst>
+                                      </p:cBhvr>
+                                      <p:to>
+                                        <p:strVal val="visible"/>
+                                      </p:to>
+                                    </p:set>
+                                    <p:anim calcmode="lin" valueType="num">
+                                      <p:cBhvr additive="base">
+                                        <p:cTn id="13" dur="500" fill="hold"/>
+                                        <p:tgtEl>
+                                          <p:spTgt spid="8"/>
+                                        </p:tgtEl>
+                                        <p:attrNameLst>
+                                          <p:attrName>ppt_x</p:attrName>
+                                        </p:attrNameLst>
+                                      </p:cBhvr>
+                                      <p:tavLst>
+                                        <p:tav tm="0">
+                                          <p:val>
+                                            <p:strVal val="#ppt_x"/>
+                                          </p:val>
+                                        </p:tav>
+                                        <p:tav tm="100000">
+                                          <p:val>
+                                            <p:strVal val="#ppt_x"/>
+                                          </p:val>
+                                        </p:tav>
+                                      </p:tavLst>
+                                    </p:anim>
+                                    <p:anim calcmode="lin" valueType="num">
+                                      <p:cBhvr additive="base">
+                                        <p:cTn id="14" dur="500" fill="hold"/>
+                                        <p:tgtEl>
+                                          <p:spTgt spid="8"/>
+                                        </p:tgtEl>
+                                        <p:attrNameLst>
+                                          <p:attrName>ppt_y</p:attrName>
+                                        </p:attrNameLst>
+                                      </p:cBhvr>
+                                      <p:tavLst>
+                                        <p:tav tm="0">
+                                          <p:val>
+                                            <p:strVal val="1+#ppt_h/2"/>
+                                          </p:val>
+                                        </p:tav>
+                                        <p:tav tm="100000">
+                                          <p:val>
+                                            <p:strVal val="#ppt_y"/>
+                                          </p:val>
+                                        </p:tav>
+                                      </p:tavLst>
+                                    </p:anim>
+                                  </p:childTnLst>
+                                </p:cTn>
+                              </p:par>
+                              <p:par>
+                                <p:cTn id="15" presetID="2" presetClass="entr" presetSubtype="4" fill="hold" grpId="0" nodeType="withEffect">
+                                  <p:stCondLst>
+                                    <p:cond delay="0"/>
+                                  </p:stCondLst>
+                                  <p:childTnLst>
+                                    <p:set>
+                                      <p:cBhvr>
+                                        <p:cTn id="16" dur="1" fill="hold">
+                                          <p:stCondLst>
+                                            <p:cond delay="0"/>
+                                          </p:stCondLst>
+                                        </p:cTn>
+                                        <p:tgtEl>
+                                          <p:spTgt spid="5"/>
+                                        </p:tgtEl>
+                                        <p:attrNameLst>
+                                          <p:attrName>style.visibility</p:attrName>
+                                        </p:attrNameLst>
+                                      </p:cBhvr>
+                                      <p:to>
+                                        <p:strVal val="visible"/>
+                                      </p:to>
+                                    </p:set>
+                                    <p:anim calcmode="lin" valueType="num">
+                                      <p:cBhvr additive="base">
+                                        <p:cTn id="17" dur="500" fill="hold"/>
+                                        <p:tgtEl>
+                                          <p:spTgt spid="5"/>
+                                        </p:tgtEl>
+                                        <p:attrNameLst>
+                                          <p:attrName>ppt_x</p:attrName>
+                                        </p:attrNameLst>
+                                      </p:cBhvr>
+                                      <p:tavLst>
+                                        <p:tav tm="0">
+                                          <p:val>
+                                            <p:strVal val="#ppt_x"/>
+                                          </p:val>
+                                        </p:tav>
+                                        <p:tav tm="100000">
+                                          <p:val>
+                                            <p:strVal val="#ppt_x"/>
+                                          </p:val>
+                                        </p:tav>
+                                      </p:tavLst>
+                                    </p:anim>
+                                    <p:anim calcmode="lin" valueType="num">
+                                      <p:cBhvr additive="base">
+                                        <p:cTn id="18" dur="500" fill="hold"/>
+                                        <p:tgtEl>
+                                          <p:spTgt spid="5"/>
+                                        </p:tgtEl>
+                                        <p:attrNameLst>
+                                          <p:attrName>ppt_y</p:attrName>
+                                        </p:attrNameLst>
+                                      </p:cBhvr>
+                                      <p:tavLst>
+                                        <p:tav tm="0">
+                                          <p:val>
+                                            <p:strVal val="1+#ppt_h/2"/>
+                                          </p:val>
+                                        </p:tav>
+                                        <p:tav tm="100000">
+                                          <p:val>
+                                            <p:strVal val="#ppt_y"/>
+                                          </p:val>
+                                        </p:tav>
+                                      </p:tavLst>
+                                    </p:anim>
+                                  </p:childTnLst>
+                                </p:cTn>
+                              </p:par>
+                            </p:childTnLst>
+                          </p:cTn>
+                        </p:par>
+                      </p:childTnLst>
+                    </p:cTn>
+                  </p:par>
+                  <p:par>
+                    <p:cTn id="19" fill="hold">
+                      <p:stCondLst>
+                        <p:cond delay="indefinite"/>
+                      </p:stCondLst>
+                      <p:childTnLst>
+                        <p:par>
+                          <p:cTn id="20" fill="hold">
+                            <p:stCondLst>
+                              <p:cond delay="0"/>
+                            </p:stCondLst>
+                            <p:childTnLst>
+                              <p:par>
+                                <p:cTn id="21" presetID="2" presetClass="entr" presetSubtype="4" fill="hold" grpId="0" nodeType="clickEffect">
+                                  <p:stCondLst>
+                                    <p:cond delay="0"/>
+                                  </p:stCondLst>
+                                  <p:childTnLst>
+                                    <p:set>
+                                      <p:cBhvr>
+                                        <p:cTn id="22" dur="1" fill="hold">
+                                          <p:stCondLst>
+                                            <p:cond delay="0"/>
+                                          </p:stCondLst>
+                                        </p:cTn>
+                                        <p:tgtEl>
+                                          <p:spTgt spid="9"/>
+                                        </p:tgtEl>
+                                        <p:attrNameLst>
+                                          <p:attrName>style.visibility</p:attrName>
+                                        </p:attrNameLst>
+                                      </p:cBhvr>
+                                      <p:to>
+                                        <p:strVal val="visible"/>
+                                      </p:to>
+                                    </p:set>
+                                    <p:anim calcmode="lin" valueType="num">
+                                      <p:cBhvr additive="base">
+                                        <p:cTn id="23" dur="500" fill="hold"/>
+                                        <p:tgtEl>
+                                          <p:spTgt spid="9"/>
+                                        </p:tgtEl>
+                                        <p:attrNameLst>
+                                          <p:attrName>ppt_x</p:attrName>
+                                        </p:attrNameLst>
+                                      </p:cBhvr>
+                                      <p:tavLst>
+                                        <p:tav tm="0">
+                                          <p:val>
+                                            <p:strVal val="#ppt_x"/>
+                                          </p:val>
+                                        </p:tav>
+                                        <p:tav tm="100000">
+                                          <p:val>
+                                            <p:strVal val="#ppt_x"/>
+                                          </p:val>
+                                        </p:tav>
+                                      </p:tavLst>
+                                    </p:anim>
+                                    <p:anim calcmode="lin" valueType="num">
+                                      <p:cBhvr additive="base">
+                                        <p:cTn id="24" dur="500" fill="hold"/>
+                                        <p:tgtEl>
+                                          <p:spTgt spid="9"/>
+                                        </p:tgtEl>
+                                        <p:attrNameLst>
+                                          <p:attrName>ppt_y</p:attrName>
+                                        </p:attrNameLst>
+                                      </p:cBhvr>
+                                      <p:tavLst>
+                                        <p:tav tm="0">
+                                          <p:val>
+                                            <p:strVal val="1+#ppt_h/2"/>
+                                          </p:val>
+                                        </p:tav>
+                                        <p:tav tm="100000">
+                                          <p:val>
+                                            <p:strVal val="#ppt_y"/>
+                                          </p:val>
+                                        </p:tav>
+                                      </p:tavLst>
+                                    </p:anim>
+                                  </p:childTnLst>
+                                </p:cTn>
+                              </p:par>
+                              <p:par>
+                                <p:cTn id="25" presetID="2" presetClass="entr" presetSubtype="4" fill="hold" grpId="0" nodeType="withEffect">
+                                  <p:stCondLst>
+                                    <p:cond delay="0"/>
+                                  </p:stCondLst>
+                                  <p:childTnLst>
+                                    <p:set>
+                                      <p:cBhvr>
+                                        <p:cTn id="26" dur="1" fill="hold">
+                                          <p:stCondLst>
+                                            <p:cond delay="0"/>
+                                          </p:stCondLst>
+                                        </p:cTn>
+                                        <p:tgtEl>
+                                          <p:spTgt spid="6"/>
+                                        </p:tgtEl>
+                                        <p:attrNameLst>
+                                          <p:attrName>style.visibility</p:attrName>
+                                        </p:attrNameLst>
+                                      </p:cBhvr>
+                                      <p:to>
+                                        <p:strVal val="visible"/>
+                                      </p:to>
+                                    </p:set>
+                                    <p:anim calcmode="lin" valueType="num">
+                                      <p:cBhvr additive="base">
+                                        <p:cTn id="27" dur="500" fill="hold"/>
+                                        <p:tgtEl>
+                                          <p:spTgt spid="6"/>
+                                        </p:tgtEl>
+                                        <p:attrNameLst>
+                                          <p:attrName>ppt_x</p:attrName>
+                                        </p:attrNameLst>
+                                      </p:cBhvr>
+                                      <p:tavLst>
+                                        <p:tav tm="0">
+                                          <p:val>
+                                            <p:strVal val="#ppt_x"/>
+                                          </p:val>
+                                        </p:tav>
+                                        <p:tav tm="100000">
+                                          <p:val>
+                                            <p:strVal val="#ppt_x"/>
+                                          </p:val>
+                                        </p:tav>
+                                      </p:tavLst>
+                                    </p:anim>
+                                    <p:anim calcmode="lin" valueType="num">
+                                      <p:cBhvr additive="base">
+                                        <p:cTn id="28" dur="500" fill="hold"/>
+                                        <p:tgtEl>
+                                          <p:spTgt spid="6"/>
+                                        </p:tgtEl>
+                                        <p:attrNameLst>
+                                          <p:attrName>ppt_y</p:attrName>
+                                        </p:attrNameLst>
+                                      </p:cBhvr>
+                                      <p:tavLst>
+                                        <p:tav tm="0">
+                                          <p:val>
+                                            <p:strVal val="1+#ppt_h/2"/>
+                                          </p:val>
+                                        </p:tav>
+                                        <p:tav tm="100000">
+                                          <p:val>
+                                            <p:strVal val="#ppt_y"/>
+                                          </p:val>
+                                        </p:tav>
+                                      </p:tavLst>
+                                    </p:anim>
+                                  </p:childTnLst>
+                                </p:cTn>
+                              </p:par>
+                            </p:childTnLst>
+                          </p:cTn>
+                        </p:par>
+                      </p:childTnLst>
+                    </p:cTn>
+                  </p:par>
+                  <p:par>
+                    <p:cTn id="29" fill="hold">
+                      <p:stCondLst>
+                        <p:cond delay="indefinite"/>
+                      </p:stCondLst>
+                      <p:childTnLst>
+                        <p:par>
+                          <p:cTn id="30" fill="hold">
+                            <p:stCondLst>
+                              <p:cond delay="0"/>
+                            </p:stCondLst>
+                            <p:childTnLst>
+                              <p:par>
+                                <p:cTn id="31" presetID="1" presetClass="entr" presetSubtype="0" fill="hold" grpId="0" nodeType="clickEffect">
+                                  <p:stCondLst>
+                                    <p:cond delay="0"/>
+                                  </p:stCondLst>
+                                  <p:childTnLst>
+                                    <p:set>
+                                      <p:cBhvr>
+                                        <p:cTn id="32" dur="1" fill="hold">
+                                          <p:stCondLst>
+                                            <p:cond delay="0"/>
+                                          </p:stCondLst>
+                                        </p:cTn>
+                                        <p:tgtEl>
+                                          <p:spTgt spid="7"/>
+                                        </p:tgtEl>
+                                        <p:attrNameLst>
+                                          <p:attrName>style.visibility</p:attrName>
+                                        </p:attrNameLst>
+                                      </p:cBhvr>
+                                      <p:to>
+                                        <p:strVal val="visible"/>
+                                      </p:to>
+                                    </p:set>
+                                  </p:childTnLst>
+                                </p:cTn>
+                              </p:par>
+                            </p:childTnLst>
+                          </p:cTn>
+                        </p:par>
+                      </p:childTnLst>
+                    </p:cTn>
+                  </p:par>
+                </p:childTnLst>
+              </p:cTn>
+              <p:prevCondLst>
+                <p:cond evt="onPrev" delay="0">
+                  <p:tgtEl>
+                    <p:sldTgt/>
+                  </p:tgtEl>
+                </p:cond>
+              </p:prevCondLst>
+              <p:nextCondLst>
+                <p:cond evt="onNext" delay="0">
+                  <p:tgtEl>
+                    <p:sldTgt/>
+                  </p:tgtEl>
+                </p:cond>
+              </p:nextCondLst>
+            </p:seq>
+          </p:childTnLst>
+        </p:cTn>
+      </p:par>
+    </p:tnLst>
+    <p:bldLst>
+      <p:bldP spid="4" grpId="0"/>
+      <p:bldP spid="5" grpId="0"/>
+      <p:bldP spid="6" grpId="0"/>
+      <p:bldP spid="7" grpId="0"/>
+      <p:bldP spid="8" grpId="0" animBg="1"/>
+      <p:bldP spid="9" grpId="0" animBg="1"/>
+    </p:bldLst>
+  </p:timing>
 </p:sld>
 </file>
 
@@ -5059,7 +6106,7 @@
           <a:p>
             <a:r>
               <a:rPr lang="en-CA" dirty="0" smtClean="0"/>
-              <a:t>Results</a:t>
+              <a:t>Methodology</a:t>
             </a:r>
             <a:endParaRPr lang="en-CA" dirty="0"/>
           </a:p>
@@ -5075,14 +6122,11 @@
             <p:ph idx="1"/>
           </p:nvPr>
         </p:nvSpPr>
-        <p:spPr>
-          <a:xfrm>
-            <a:off x="457200" y="1600201"/>
-            <a:ext cx="8219256" cy="748680"/>
-          </a:xfrm>
-        </p:spPr>
-        <p:txBody>
-          <a:bodyPr/>
+        <p:spPr/>
+        <p:txBody>
+          <a:bodyPr>
+            <a:normAutofit/>
+          </a:bodyPr>
           <a:lstStyle/>
           <a:p>
             <a:pPr marL="0" indent="0">
@@ -5090,71 +6134,129 @@
             </a:pPr>
             <a:r>
               <a:rPr lang="en-CA" dirty="0" smtClean="0"/>
-              <a:t>Keyword </a:t>
-            </a:r>
-            <a:r>
-              <a:rPr lang="en-CA" dirty="0"/>
-              <a:t>"Ashe" in the League of Legends </a:t>
-            </a:r>
-            <a:r>
-              <a:rPr lang="en-CA" dirty="0" smtClean="0"/>
-              <a:t>data</a:t>
-            </a:r>
-            <a:endParaRPr lang="en-CA" dirty="0"/>
-          </a:p>
-        </p:txBody>
-      </p:sp>
-      <p:pic>
-        <p:nvPicPr>
-          <p:cNvPr id="1026" name="Picture 2" descr="LOL-ashe.png"/>
-          <p:cNvPicPr>
-            <a:picLocks noChangeAspect="1" noChangeArrowheads="1"/>
-          </p:cNvPicPr>
-          <p:nvPr/>
-        </p:nvPicPr>
-        <p:blipFill>
-          <a:blip r:embed="rId2">
-            <a:extLst>
-              <a:ext uri="{28A0092B-C50C-407E-A947-70E740481C1C}">
-                <a14:useLocalDpi xmlns:a14="http://schemas.microsoft.com/office/drawing/2010/main" val="0"/>
-              </a:ext>
-            </a:extLst>
-          </a:blip>
-          <a:srcRect/>
-          <a:stretch>
-            <a:fillRect/>
-          </a:stretch>
-        </p:blipFill>
-        <p:spPr bwMode="auto">
-          <a:xfrm>
-            <a:off x="406730" y="2204862"/>
-            <a:ext cx="8352928" cy="2836293"/>
-          </a:xfrm>
-          <a:prstGeom prst="rect">
-            <a:avLst/>
-          </a:prstGeom>
-          <a:noFill/>
-          <a:extLst>
-            <a:ext uri="{909E8E84-426E-40DD-AFC4-6F175D3DCCD1}">
-              <a14:hiddenFill xmlns:a14="http://schemas.microsoft.com/office/drawing/2010/main">
-                <a:solidFill>
-                  <a:srgbClr val="FFFFFF"/>
-                </a:solidFill>
-              </a14:hiddenFill>
-            </a:ext>
-          </a:extLst>
-        </p:spPr>
-      </p:pic>
+              <a:t>Graphs:</a:t>
+            </a:r>
+          </a:p>
+          <a:p>
+            <a:pPr marL="0" indent="0">
+              <a:buNone/>
+            </a:pPr>
+            <a:r>
+              <a:rPr lang="en-CA" sz="2400" dirty="0" smtClean="0"/>
+              <a:t>For a given search term…</a:t>
+            </a:r>
+          </a:p>
+          <a:p>
+            <a:pPr marL="514350" indent="-514350">
+              <a:buAutoNum type="arabicPeriod"/>
+            </a:pPr>
+            <a:r>
+              <a:rPr lang="en-CA" sz="2400" dirty="0" smtClean="0"/>
+              <a:t>Find all </a:t>
+            </a:r>
+            <a:r>
+              <a:rPr lang="en-CA" sz="2400" dirty="0" err="1" smtClean="0"/>
+              <a:t>Reddit</a:t>
+            </a:r>
+            <a:r>
+              <a:rPr lang="en-CA" sz="2400" dirty="0" smtClean="0"/>
+              <a:t> posts which contain this term (body or title)</a:t>
+            </a:r>
+          </a:p>
+          <a:p>
+            <a:pPr marL="514350" indent="-514350">
+              <a:buAutoNum type="arabicPeriod"/>
+            </a:pPr>
+            <a:r>
+              <a:rPr lang="en-CA" sz="2400" dirty="0" smtClean="0"/>
+              <a:t>Assign each </a:t>
+            </a:r>
+            <a:r>
+              <a:rPr lang="en-CA" sz="2400" dirty="0" err="1" smtClean="0"/>
+              <a:t>Reddit</a:t>
+            </a:r>
+            <a:r>
+              <a:rPr lang="en-CA" sz="2400" dirty="0" smtClean="0"/>
+              <a:t> post a weighting:</a:t>
+            </a:r>
+          </a:p>
+          <a:p>
+            <a:pPr marL="0" indent="0">
+              <a:buNone/>
+            </a:pPr>
+            <a:r>
+              <a:rPr lang="en-CA" sz="2400" dirty="0"/>
+              <a:t>	</a:t>
+            </a:r>
+            <a:r>
+              <a:rPr lang="en-CA" sz="2400" dirty="0" smtClean="0"/>
+              <a:t>weight = </a:t>
+            </a:r>
+            <a:r>
+              <a:rPr lang="en-CA" sz="2400" b="1" dirty="0" smtClean="0"/>
+              <a:t>log10</a:t>
+            </a:r>
+            <a:r>
+              <a:rPr lang="en-CA" sz="2400" dirty="0" smtClean="0"/>
+              <a:t>(</a:t>
+            </a:r>
+            <a:r>
+              <a:rPr lang="en-CA" sz="2400" dirty="0" err="1" smtClean="0"/>
+              <a:t>numberOfComments</a:t>
+            </a:r>
+            <a:r>
+              <a:rPr lang="en-CA" sz="2400" dirty="0" smtClean="0"/>
+              <a:t>)+</a:t>
+            </a:r>
+            <a:r>
+              <a:rPr lang="en-CA" sz="2400" b="1" dirty="0" smtClean="0"/>
+              <a:t>log10</a:t>
+            </a:r>
+            <a:r>
+              <a:rPr lang="en-CA" sz="2400" dirty="0" smtClean="0"/>
+              <a:t>(popularity)</a:t>
+            </a:r>
+          </a:p>
+          <a:p>
+            <a:pPr marL="457200" indent="-457200">
+              <a:buFont typeface="+mj-lt"/>
+              <a:buAutoNum type="arabicPeriod" startAt="3"/>
+            </a:pPr>
+            <a:r>
+              <a:rPr lang="en-CA" sz="2400" dirty="0" smtClean="0"/>
+              <a:t>Find all Patch notes which contain this term</a:t>
+            </a:r>
+          </a:p>
+          <a:p>
+            <a:pPr marL="457200" indent="-457200">
+              <a:buFont typeface="+mj-lt"/>
+              <a:buAutoNum type="arabicPeriod" startAt="3"/>
+            </a:pPr>
+            <a:r>
+              <a:rPr lang="en-CA" sz="2400" dirty="0" smtClean="0"/>
+              <a:t>Graph vs. time (weekly granularity)	</a:t>
+            </a:r>
+            <a:endParaRPr lang="en-CA" sz="2400" dirty="0"/>
+          </a:p>
+        </p:txBody>
+      </p:sp>
     </p:spTree>
     <p:extLst>
       <p:ext uri="{BB962C8B-B14F-4D97-AF65-F5344CB8AC3E}">
-        <p14:creationId xmlns:p14="http://schemas.microsoft.com/office/powerpoint/2010/main" val="1438955187"/>
+        <p14:creationId xmlns:p14="http://schemas.microsoft.com/office/powerpoint/2010/main" xmlns="" val="2428888462"/>
       </p:ext>
     </p:extLst>
   </p:cSld>
   <p:clrMapOvr>
     <a:masterClrMapping/>
   </p:clrMapOvr>
+  <p:timing>
+    <p:tnLst>
+      <p:par>
+        <p:cTn id="1" dur="indefinite" restart="never" nodeType="tmRoot"/>
+      </p:par>
+    </p:tnLst>
+  </p:timing>
 </p:sld>
 </file>
 
@@ -5210,14 +6312,12 @@
         </p:nvSpPr>
         <p:spPr>
           <a:xfrm>
-            <a:off x="457199" y="1600201"/>
-            <a:ext cx="8425127" cy="676671"/>
+            <a:off x="457200" y="1600201"/>
+            <a:ext cx="8219256" cy="748680"/>
           </a:xfrm>
         </p:spPr>
         <p:txBody>
-          <a:bodyPr>
-            <a:normAutofit/>
-          </a:bodyPr>
+          <a:bodyPr/>
           <a:lstStyle/>
           <a:p>
             <a:pPr marL="0" indent="0">
@@ -5225,19 +6325,11 @@
             </a:pPr>
             <a:r>
               <a:rPr lang="en-CA" dirty="0" smtClean="0"/>
-              <a:t>Keyword “</a:t>
-            </a:r>
-            <a:r>
-              <a:rPr lang="en-CA" dirty="0" err="1" smtClean="0"/>
-              <a:t>Mundo</a:t>
-            </a:r>
-            <a:r>
-              <a:rPr lang="en-CA" dirty="0" smtClean="0"/>
-              <a:t>" </a:t>
+              <a:t>Keyword </a:t>
             </a:r>
             <a:r>
               <a:rPr lang="en-CA" dirty="0"/>
-              <a:t>in the League of Legends </a:t>
+              <a:t>"Ashe" in the League of Legends </a:t>
             </a:r>
             <a:r>
               <a:rPr lang="en-CA" dirty="0" smtClean="0"/>
@@ -5249,17 +6341,17 @@
       </p:sp>
       <p:pic>
         <p:nvPicPr>
-          <p:cNvPr id="2050" name="Picture 2" descr="LOL-mundo.png"/>
+          <p:cNvPr id="1026" name="Picture 2" descr="LOL-ashe.png"/>
           <p:cNvPicPr>
             <a:picLocks noChangeAspect="1" noChangeArrowheads="1"/>
           </p:cNvPicPr>
           <p:nvPr/>
         </p:nvPicPr>
         <p:blipFill>
-          <a:blip r:embed="rId2">
+          <a:blip r:embed="rId2" cstate="print">
             <a:extLst>
               <a:ext uri="{28A0092B-C50C-407E-A947-70E740481C1C}">
-                <a14:useLocalDpi xmlns:a14="http://schemas.microsoft.com/office/drawing/2010/main" val="0"/>
+                <a14:useLocalDpi xmlns:a14="http://schemas.microsoft.com/office/drawing/2010/main" xmlns="" val="0"/>
               </a:ext>
             </a:extLst>
           </a:blip>
@@ -5270,8 +6362,8 @@
         </p:blipFill>
         <p:spPr bwMode="auto">
           <a:xfrm>
-            <a:off x="300758" y="2204864"/>
-            <a:ext cx="8581569" cy="2880320"/>
+            <a:off x="406730" y="2204862"/>
+            <a:ext cx="8352928" cy="2836293"/>
           </a:xfrm>
           <a:prstGeom prst="rect">
             <a:avLst/>
@@ -5279,7 +6371,7 @@
           <a:noFill/>
           <a:extLst>
             <a:ext uri="{909E8E84-426E-40DD-AFC4-6F175D3DCCD1}">
-              <a14:hiddenFill xmlns:a14="http://schemas.microsoft.com/office/drawing/2010/main">
+              <a14:hiddenFill xmlns:a14="http://schemas.microsoft.com/office/drawing/2010/main" xmlns="">
                 <a:solidFill>
                   <a:srgbClr val="FFFFFF"/>
                 </a:solidFill>
@@ -5291,13 +6383,20 @@
     </p:spTree>
     <p:extLst>
       <p:ext uri="{BB962C8B-B14F-4D97-AF65-F5344CB8AC3E}">
-        <p14:creationId xmlns:p14="http://schemas.microsoft.com/office/powerpoint/2010/main" val="3058743766"/>
+        <p14:creationId xmlns:p14="http://schemas.microsoft.com/office/powerpoint/2010/main" xmlns="" val="1438955187"/>
       </p:ext>
     </p:extLst>
   </p:cSld>
   <p:clrMapOvr>
     <a:masterClrMapping/>
   </p:clrMapOvr>
+  <p:timing>
+    <p:tnLst>
+      <p:par>
+        <p:cTn id="1" dur="indefinite" restart="never" nodeType="tmRoot"/>
+      </p:par>
+    </p:tnLst>
+  </p:timing>
 </p:sld>
 </file>
 
